--- a/Documents/DTL MOC.pptx
+++ b/Documents/DTL MOC.pptx
@@ -121,6 +121,9 @@
     <p:ext uri="{EFAFB233-063F-42B5-8137-9DF3F51BA10A}">
       <p15:sldGuideLst xmlns:p15="http://schemas.microsoft.com/office/powerpoint/2012/main"/>
     </p:ext>
+    <p:ext uri="{2D200454-40CA-4A62-9FC3-DE9A4176ACB9}">
+      <p15:notesGuideLst xmlns:p15="http://schemas.microsoft.com/office/powerpoint/2012/main"/>
+    </p:ext>
   </p:extLst>
 </p:presentation>
 </file>
@@ -207,7 +210,7 @@
           <a:p>
             <a:fld id="{844F8294-0CB7-4F5A-A19B-EF681AF2B73B}" type="datetimeFigureOut">
               <a:rPr lang="he-IL" smtClean="0"/>
-              <a:t>ב'/אדר/תשפ"א</a:t>
+              <a:t>ד'/אדר/תשפ"א</a:t>
             </a:fld>
             <a:endParaRPr lang="he-IL"/>
           </a:p>
@@ -372,7 +375,7 @@
           <a:p>
             <a:fld id="{C6909ED8-2077-43C9-8C45-8FC404E5D48F}" type="datetimeFigureOut">
               <a:rPr lang="he-IL" smtClean="0"/>
-              <a:t>ב'/אדר/תשפ"א</a:t>
+              <a:t>ד'/אדר/תשפ"א</a:t>
             </a:fld>
             <a:endParaRPr lang="he-IL"/>
           </a:p>
@@ -1016,7 +1019,7 @@
           <a:p>
             <a:fld id="{A95A8BCF-3E09-43CE-BC06-F855C24C19A1}" type="datetimeFigureOut">
               <a:rPr lang="he-IL" smtClean="0"/>
-              <a:t>ב'/אדר/תשפ"א</a:t>
+              <a:t>ד'/אדר/תשפ"א</a:t>
             </a:fld>
             <a:endParaRPr lang="he-IL"/>
           </a:p>
@@ -1196,7 +1199,7 @@
           <a:p>
             <a:fld id="{A95A8BCF-3E09-43CE-BC06-F855C24C19A1}" type="datetimeFigureOut">
               <a:rPr lang="he-IL" smtClean="0"/>
-              <a:t>ב'/אדר/תשפ"א</a:t>
+              <a:t>ד'/אדר/תשפ"א</a:t>
             </a:fld>
             <a:endParaRPr lang="he-IL"/>
           </a:p>
@@ -1366,7 +1369,7 @@
           <a:p>
             <a:fld id="{A95A8BCF-3E09-43CE-BC06-F855C24C19A1}" type="datetimeFigureOut">
               <a:rPr lang="he-IL" smtClean="0"/>
-              <a:t>ב'/אדר/תשפ"א</a:t>
+              <a:t>ד'/אדר/תשפ"א</a:t>
             </a:fld>
             <a:endParaRPr lang="he-IL"/>
           </a:p>
@@ -1612,7 +1615,7 @@
           <a:p>
             <a:fld id="{A95A8BCF-3E09-43CE-BC06-F855C24C19A1}" type="datetimeFigureOut">
               <a:rPr lang="he-IL" smtClean="0"/>
-              <a:t>ב'/אדר/תשפ"א</a:t>
+              <a:t>ד'/אדר/תשפ"א</a:t>
             </a:fld>
             <a:endParaRPr lang="he-IL"/>
           </a:p>
@@ -1844,7 +1847,7 @@
           <a:p>
             <a:fld id="{A95A8BCF-3E09-43CE-BC06-F855C24C19A1}" type="datetimeFigureOut">
               <a:rPr lang="he-IL" smtClean="0"/>
-              <a:t>ב'/אדר/תשפ"א</a:t>
+              <a:t>ד'/אדר/תשפ"א</a:t>
             </a:fld>
             <a:endParaRPr lang="he-IL"/>
           </a:p>
@@ -2211,7 +2214,7 @@
           <a:p>
             <a:fld id="{A95A8BCF-3E09-43CE-BC06-F855C24C19A1}" type="datetimeFigureOut">
               <a:rPr lang="he-IL" smtClean="0"/>
-              <a:t>ב'/אדר/תשפ"א</a:t>
+              <a:t>ד'/אדר/תשפ"א</a:t>
             </a:fld>
             <a:endParaRPr lang="he-IL"/>
           </a:p>
@@ -2329,7 +2332,7 @@
           <a:p>
             <a:fld id="{A95A8BCF-3E09-43CE-BC06-F855C24C19A1}" type="datetimeFigureOut">
               <a:rPr lang="he-IL" smtClean="0"/>
-              <a:t>ב'/אדר/תשפ"א</a:t>
+              <a:t>ד'/אדר/תשפ"א</a:t>
             </a:fld>
             <a:endParaRPr lang="he-IL"/>
           </a:p>
@@ -2424,7 +2427,7 @@
           <a:p>
             <a:fld id="{A95A8BCF-3E09-43CE-BC06-F855C24C19A1}" type="datetimeFigureOut">
               <a:rPr lang="he-IL" smtClean="0"/>
-              <a:t>ב'/אדר/תשפ"א</a:t>
+              <a:t>ד'/אדר/תשפ"א</a:t>
             </a:fld>
             <a:endParaRPr lang="he-IL"/>
           </a:p>
@@ -2701,7 +2704,7 @@
           <a:p>
             <a:fld id="{A95A8BCF-3E09-43CE-BC06-F855C24C19A1}" type="datetimeFigureOut">
               <a:rPr lang="he-IL" smtClean="0"/>
-              <a:t>ב'/אדר/תשפ"א</a:t>
+              <a:t>ד'/אדר/תשפ"א</a:t>
             </a:fld>
             <a:endParaRPr lang="he-IL"/>
           </a:p>
@@ -2954,7 +2957,7 @@
           <a:p>
             <a:fld id="{A95A8BCF-3E09-43CE-BC06-F855C24C19A1}" type="datetimeFigureOut">
               <a:rPr lang="he-IL" smtClean="0"/>
-              <a:t>ב'/אדר/תשפ"א</a:t>
+              <a:t>ד'/אדר/תשפ"א</a:t>
             </a:fld>
             <a:endParaRPr lang="he-IL"/>
           </a:p>
@@ -3167,7 +3170,7 @@
           <a:p>
             <a:fld id="{A95A8BCF-3E09-43CE-BC06-F855C24C19A1}" type="datetimeFigureOut">
               <a:rPr lang="he-IL" smtClean="0"/>
-              <a:t>ב'/אדר/תשפ"א</a:t>
+              <a:t>ד'/אדר/תשפ"א</a:t>
             </a:fld>
             <a:endParaRPr lang="he-IL"/>
           </a:p>
@@ -3819,7 +3822,7 @@
         <p:spPr/>
         <p:txBody>
           <a:bodyPr>
-            <a:normAutofit fontScale="92500" lnSpcReduction="20000"/>
+            <a:normAutofit fontScale="92500" lnSpcReduction="10000"/>
           </a:bodyPr>
           <a:lstStyle/>
           <a:p>
@@ -4319,87 +4322,6 @@
           </a:p>
         </p:txBody>
       </p:sp>
-      <p:sp>
-        <p:nvSpPr>
-          <p:cNvPr id="17" name="מלבן 16"/>
-          <p:cNvSpPr/>
-          <p:nvPr/>
-        </p:nvSpPr>
-        <p:spPr>
-          <a:xfrm>
-            <a:off x="8719685" y="2166341"/>
-            <a:ext cx="1620456" cy="659757"/>
-          </a:xfrm>
-          <a:prstGeom prst="rect">
-            <a:avLst/>
-          </a:prstGeom>
-          <a:solidFill>
-            <a:schemeClr val="accent2"/>
-          </a:solidFill>
-        </p:spPr>
-        <p:style>
-          <a:lnRef idx="2">
-            <a:schemeClr val="accent1">
-              <a:shade val="50000"/>
-            </a:schemeClr>
-          </a:lnRef>
-          <a:fillRef idx="1">
-            <a:schemeClr val="accent1"/>
-          </a:fillRef>
-          <a:effectRef idx="0">
-            <a:schemeClr val="accent1"/>
-          </a:effectRef>
-          <a:fontRef idx="minor">
-            <a:schemeClr val="lt1"/>
-          </a:fontRef>
-        </p:style>
-        <p:txBody>
-          <a:bodyPr rtlCol="1" anchor="ctr"/>
-          <a:lstStyle/>
-          <a:p>
-            <a:pPr algn="ctr"/>
-            <a:r>
-              <a:rPr lang="en-US" dirty="0" smtClean="0"/>
-              <a:t>5.5-6.5</a:t>
-            </a:r>
-            <a:endParaRPr lang="he-IL" dirty="0"/>
-          </a:p>
-        </p:txBody>
-      </p:sp>
-      <p:sp>
-        <p:nvSpPr>
-          <p:cNvPr id="18" name="TextBox 17"/>
-          <p:cNvSpPr txBox="1"/>
-          <p:nvPr/>
-        </p:nvSpPr>
-        <p:spPr>
-          <a:xfrm>
-            <a:off x="8719685" y="1797009"/>
-            <a:ext cx="1860446" cy="369332"/>
-          </a:xfrm>
-          <a:prstGeom prst="rect">
-            <a:avLst/>
-          </a:prstGeom>
-          <a:noFill/>
-        </p:spPr>
-        <p:txBody>
-          <a:bodyPr wrap="none" rtlCol="1">
-            <a:spAutoFit/>
-          </a:bodyPr>
-          <a:lstStyle/>
-          <a:p>
-            <a:r>
-              <a:rPr lang="en-US" dirty="0" err="1" smtClean="0"/>
-              <a:t>DisAllowed</a:t>
-            </a:r>
-            <a:r>
-              <a:rPr lang="en-US" dirty="0" smtClean="0"/>
-              <a:t> setup</a:t>
-            </a:r>
-            <a:endParaRPr lang="he-IL" dirty="0"/>
-          </a:p>
-        </p:txBody>
-      </p:sp>
     </p:spTree>
     <p:extLst>
       <p:ext uri="{BB962C8B-B14F-4D97-AF65-F5344CB8AC3E}">
@@ -4542,7 +4464,7 @@
         <p:spPr/>
         <p:txBody>
           <a:bodyPr>
-            <a:normAutofit fontScale="92500" lnSpcReduction="20000"/>
+            <a:normAutofit fontScale="92500" lnSpcReduction="10000"/>
           </a:bodyPr>
           <a:lstStyle/>
           <a:p>
@@ -4636,7 +4558,7 @@
         </p:nvSpPr>
         <p:spPr>
           <a:xfrm>
-            <a:off x="1058789" y="3914071"/>
+            <a:off x="2255578" y="3421378"/>
             <a:ext cx="1932972" cy="902826"/>
           </a:xfrm>
           <a:prstGeom prst="ellipse">
@@ -4669,11 +4591,7 @@
             <a:pPr algn="ctr"/>
             <a:r>
               <a:rPr lang="en-US" dirty="0" smtClean="0"/>
-              <a:t>S</a:t>
-            </a:r>
-            <a:r>
-              <a:rPr lang="he-IL" dirty="0" err="1" smtClean="0"/>
-              <a:t>etup</a:t>
+              <a:t>Position</a:t>
             </a:r>
             <a:endParaRPr lang="he-IL" dirty="0"/>
           </a:p>
@@ -4892,20 +4810,20 @@
       </p:sp>
       <p:sp>
         <p:nvSpPr>
-          <p:cNvPr id="14" name="מלבן 13"/>
+          <p:cNvPr id="16" name="מלבן 15"/>
           <p:cNvSpPr/>
           <p:nvPr/>
         </p:nvSpPr>
         <p:spPr>
           <a:xfrm>
-            <a:off x="1191322" y="3229095"/>
-            <a:ext cx="1539433" cy="555584"/>
+            <a:off x="7362340" y="3846211"/>
+            <a:ext cx="1620456" cy="659757"/>
           </a:xfrm>
           <a:prstGeom prst="rect">
             <a:avLst/>
           </a:prstGeom>
           <a:solidFill>
-            <a:srgbClr val="FFFF00"/>
+            <a:schemeClr val="accent2"/>
           </a:solidFill>
         </p:spPr>
         <p:style>
@@ -4930,31 +4848,30 @@
           <a:p>
             <a:pPr algn="ctr"/>
             <a:r>
-              <a:rPr lang="en-US" b="1" dirty="0" smtClean="0">
-                <a:solidFill>
-                  <a:srgbClr val="7030A0"/>
-                </a:solidFill>
-              </a:rPr>
-              <a:t>4</a:t>
-            </a:r>
-            <a:endParaRPr lang="he-IL" b="1" dirty="0">
-              <a:solidFill>
-                <a:srgbClr val="7030A0"/>
-              </a:solidFill>
-            </a:endParaRPr>
-          </a:p>
-        </p:txBody>
-      </p:sp>
-      <p:sp>
-        <p:nvSpPr>
-          <p:cNvPr id="15" name="TextBox 14"/>
+              <a:rPr lang="en-US" dirty="0" smtClean="0"/>
+              <a:t>0-0.5</a:t>
+            </a:r>
+          </a:p>
+          <a:p>
+            <a:pPr algn="ctr"/>
+            <a:r>
+              <a:rPr lang="en-US" dirty="0" smtClean="0"/>
+              <a:t>9.5-10</a:t>
+            </a:r>
+            <a:endParaRPr lang="he-IL" dirty="0"/>
+          </a:p>
+        </p:txBody>
+      </p:sp>
+      <p:sp>
+        <p:nvSpPr>
+          <p:cNvPr id="17" name="TextBox 16"/>
           <p:cNvSpPr txBox="1"/>
           <p:nvPr/>
         </p:nvSpPr>
         <p:spPr>
           <a:xfrm>
-            <a:off x="1399858" y="2859763"/>
-            <a:ext cx="963597" cy="369332"/>
+            <a:off x="7069771" y="3401433"/>
+            <a:ext cx="3598229" cy="369332"/>
           </a:xfrm>
           <a:prstGeom prst="rect">
             <a:avLst/>
@@ -4968,120 +4885,21 @@
           <a:lstStyle/>
           <a:p>
             <a:r>
-              <a:rPr lang="en-US" dirty="0" smtClean="0"/>
-              <a:t>Setup at</a:t>
-            </a:r>
-            <a:endParaRPr lang="he-IL" dirty="0"/>
-          </a:p>
-        </p:txBody>
-      </p:sp>
-      <p:sp>
-        <p:nvSpPr>
-          <p:cNvPr id="16" name="מלבן 15"/>
-          <p:cNvSpPr/>
-          <p:nvPr/>
-        </p:nvSpPr>
-        <p:spPr>
-          <a:xfrm>
-            <a:off x="8719685" y="2166341"/>
-            <a:ext cx="1620456" cy="659757"/>
-          </a:xfrm>
-          <a:prstGeom prst="rect">
-            <a:avLst/>
-          </a:prstGeom>
-          <a:solidFill>
-            <a:schemeClr val="accent2"/>
-          </a:solidFill>
-        </p:spPr>
-        <p:style>
-          <a:lnRef idx="2">
-            <a:schemeClr val="accent1">
-              <a:shade val="50000"/>
-            </a:schemeClr>
-          </a:lnRef>
-          <a:fillRef idx="1">
-            <a:schemeClr val="accent1"/>
-          </a:fillRef>
-          <a:effectRef idx="0">
-            <a:schemeClr val="accent1"/>
-          </a:effectRef>
-          <a:fontRef idx="minor">
-            <a:schemeClr val="lt1"/>
-          </a:fontRef>
-        </p:style>
-        <p:txBody>
-          <a:bodyPr rtlCol="1" anchor="ctr"/>
-          <a:lstStyle/>
-          <a:p>
-            <a:pPr algn="ctr"/>
-            <a:r>
-              <a:rPr lang="en-US" dirty="0" smtClean="0"/>
-              <a:t>5.5-6.5</a:t>
-            </a:r>
-            <a:endParaRPr lang="he-IL" dirty="0"/>
-          </a:p>
-        </p:txBody>
-      </p:sp>
-      <p:sp>
-        <p:nvSpPr>
-          <p:cNvPr id="17" name="TextBox 16"/>
-          <p:cNvSpPr txBox="1"/>
-          <p:nvPr/>
-        </p:nvSpPr>
-        <p:spPr>
-          <a:xfrm>
-            <a:off x="8719685" y="1797009"/>
-            <a:ext cx="1860446" cy="369332"/>
-          </a:xfrm>
-          <a:prstGeom prst="rect">
-            <a:avLst/>
-          </a:prstGeom>
-          <a:noFill/>
-        </p:spPr>
-        <p:txBody>
-          <a:bodyPr wrap="none" rtlCol="1">
-            <a:spAutoFit/>
-          </a:bodyPr>
-          <a:lstStyle/>
-          <a:p>
-            <a:r>
               <a:rPr lang="en-US" dirty="0" err="1" smtClean="0"/>
               <a:t>DisAllowed</a:t>
             </a:r>
             <a:r>
               <a:rPr lang="en-US" dirty="0" smtClean="0"/>
-              <a:t> setup</a:t>
+              <a:t> </a:t>
+            </a:r>
+            <a:r>
+              <a:rPr lang="en-US" dirty="0" smtClean="0"/>
+              <a:t>position event when size</a:t>
             </a:r>
             <a:endParaRPr lang="he-IL" dirty="0"/>
           </a:p>
         </p:txBody>
       </p:sp>
-      <p:pic>
-        <p:nvPicPr>
-          <p:cNvPr id="19" name="תמונה 18">
-            <a:hlinkClick r:id="rId2" action="ppaction://hlinksldjump"/>
-          </p:cNvPr>
-          <p:cNvPicPr>
-            <a:picLocks noChangeAspect="1"/>
-          </p:cNvPicPr>
-          <p:nvPr/>
-        </p:nvPicPr>
-        <p:blipFill>
-          <a:blip r:embed="rId3"/>
-          <a:stretch>
-            <a:fillRect/>
-          </a:stretch>
-        </p:blipFill>
-        <p:spPr>
-          <a:xfrm>
-            <a:off x="2760310" y="3229094"/>
-            <a:ext cx="187047" cy="555585"/>
-          </a:xfrm>
-          <a:prstGeom prst="rect">
-            <a:avLst/>
-          </a:prstGeom>
-        </p:spPr>
-      </p:pic>
     </p:spTree>
     <p:extLst>
       <p:ext uri="{BB962C8B-B14F-4D97-AF65-F5344CB8AC3E}">
@@ -5121,13 +4939,13 @@
       </p:grpSpPr>
       <p:sp>
         <p:nvSpPr>
-          <p:cNvPr id="11" name="מלבן 10"/>
+          <p:cNvPr id="10" name="מלבן 9"/>
           <p:cNvSpPr/>
           <p:nvPr/>
         </p:nvSpPr>
         <p:spPr>
           <a:xfrm>
-            <a:off x="6634082" y="1667813"/>
+            <a:off x="742672" y="1702045"/>
             <a:ext cx="4977114" cy="4617240"/>
           </a:xfrm>
           <a:prstGeom prst="rect">
@@ -5167,13 +4985,13 @@
       </p:sp>
       <p:sp>
         <p:nvSpPr>
-          <p:cNvPr id="10" name="מלבן 9"/>
+          <p:cNvPr id="11" name="מלבן 10"/>
           <p:cNvSpPr/>
           <p:nvPr/>
         </p:nvSpPr>
         <p:spPr>
           <a:xfrm>
-            <a:off x="879676" y="1667813"/>
+            <a:off x="6634082" y="1667813"/>
             <a:ext cx="4977114" cy="4617240"/>
           </a:xfrm>
           <a:prstGeom prst="rect">
@@ -5231,7 +5049,11 @@
             <a:pPr rtl="0"/>
             <a:r>
               <a:rPr lang="en-US" dirty="0" smtClean="0"/>
-              <a:t>Setup screen after setup click</a:t>
+              <a:t>Setup screen after </a:t>
+            </a:r>
+            <a:r>
+              <a:rPr lang="en-US" dirty="0" smtClean="0"/>
+              <a:t>position click</a:t>
             </a:r>
             <a:endParaRPr lang="he-IL" dirty="0"/>
           </a:p>
@@ -5275,7 +5097,7 @@
         </p:nvSpPr>
         <p:spPr>
           <a:xfrm>
-            <a:off x="1191322" y="4264300"/>
+            <a:off x="3439156" y="5031958"/>
             <a:ext cx="1932972" cy="902826"/>
           </a:xfrm>
           <a:prstGeom prst="ellipse">
@@ -5489,8 +5311,8 @@
         </p:nvSpPr>
         <p:spPr>
           <a:xfrm>
-            <a:off x="1430474" y="2874855"/>
-            <a:ext cx="1200842" cy="369332"/>
+            <a:off x="4006284" y="2874855"/>
+            <a:ext cx="1058944" cy="369332"/>
           </a:xfrm>
           <a:prstGeom prst="rect">
             <a:avLst/>
@@ -5504,12 +5326,8 @@
           <a:lstStyle/>
           <a:p>
             <a:r>
-              <a:rPr lang="en-US" dirty="0" err="1" smtClean="0"/>
-              <a:t>Setuped</a:t>
-            </a:r>
-            <a:r>
-              <a:rPr lang="en-US" dirty="0" smtClean="0"/>
-              <a:t> at</a:t>
+              <a:rPr lang="en-US" dirty="0" smtClean="0"/>
+              <a:t>Return at</a:t>
             </a:r>
             <a:endParaRPr lang="he-IL" dirty="0"/>
           </a:p>
@@ -5523,7 +5341,7 @@
         </p:nvSpPr>
         <p:spPr>
           <a:xfrm>
-            <a:off x="1191322" y="3229095"/>
+            <a:off x="3625234" y="3229095"/>
             <a:ext cx="1539433" cy="555584"/>
           </a:xfrm>
           <a:prstGeom prst="rect">
@@ -5586,7 +5404,7 @@
         </p:blipFill>
         <p:spPr>
           <a:xfrm>
-            <a:off x="2760310" y="3229094"/>
+            <a:off x="5194222" y="3229094"/>
             <a:ext cx="187047" cy="555585"/>
           </a:xfrm>
           <a:prstGeom prst="rect">
@@ -5602,8 +5420,8 @@
         </p:nvSpPr>
         <p:spPr>
           <a:xfrm>
-            <a:off x="3583674" y="2844375"/>
-            <a:ext cx="1461106" cy="369332"/>
+            <a:off x="4004046" y="3872831"/>
+            <a:ext cx="956800" cy="369332"/>
           </a:xfrm>
           <a:prstGeom prst="rect">
             <a:avLst/>
@@ -5618,7 +5436,11 @@
           <a:p>
             <a:r>
               <a:rPr lang="en-US" dirty="0" smtClean="0"/>
-              <a:t>Auto Abort at</a:t>
+              <a:t>Abort </a:t>
+            </a:r>
+            <a:r>
+              <a:rPr lang="en-US" dirty="0" smtClean="0"/>
+              <a:t>at</a:t>
             </a:r>
             <a:endParaRPr lang="he-IL" dirty="0"/>
           </a:p>
@@ -5632,7 +5454,7 @@
         </p:nvSpPr>
         <p:spPr>
           <a:xfrm>
-            <a:off x="3604786" y="3198615"/>
+            <a:off x="3604786" y="4287822"/>
             <a:ext cx="1539433" cy="555584"/>
           </a:xfrm>
           <a:prstGeom prst="rect">
@@ -5695,7 +5517,7 @@
         </p:blipFill>
         <p:spPr>
           <a:xfrm>
-            <a:off x="5173774" y="3198614"/>
+            <a:off x="5173774" y="4287821"/>
             <a:ext cx="187047" cy="555585"/>
           </a:xfrm>
           <a:prstGeom prst="rect">
@@ -5711,7 +5533,7 @@
         </p:nvSpPr>
         <p:spPr>
           <a:xfrm>
-            <a:off x="8885935" y="2166341"/>
+            <a:off x="7791752" y="4685620"/>
             <a:ext cx="1620456" cy="659757"/>
           </a:xfrm>
           <a:prstGeom prst="rect">
@@ -5758,8 +5580,8 @@
         </p:nvSpPr>
         <p:spPr>
           <a:xfrm>
-            <a:off x="8736310" y="1797009"/>
-            <a:ext cx="1860446" cy="369332"/>
+            <a:off x="7019676" y="4251592"/>
+            <a:ext cx="4155561" cy="369332"/>
           </a:xfrm>
           <a:prstGeom prst="rect">
             <a:avLst/>
@@ -5778,7 +5600,19 @@
             </a:r>
             <a:r>
               <a:rPr lang="en-US" dirty="0" smtClean="0"/>
-              <a:t> setup</a:t>
+              <a:t> </a:t>
+            </a:r>
+            <a:r>
+              <a:rPr lang="en-US" dirty="0" smtClean="0"/>
+              <a:t>change </a:t>
+            </a:r>
+            <a:r>
+              <a:rPr lang="en-US" dirty="0" smtClean="0"/>
+              <a:t>R</a:t>
+            </a:r>
+            <a:r>
+              <a:rPr lang="en-US" dirty="0" smtClean="0"/>
+              <a:t>eturn/Abort values to</a:t>
             </a:r>
             <a:endParaRPr lang="he-IL" dirty="0"/>
           </a:p>
@@ -5910,6 +5744,93 @@
           </a:fontRef>
         </p:style>
       </p:cxnSp>
+      <p:sp>
+        <p:nvSpPr>
+          <p:cNvPr id="23" name="מלבן 22"/>
+          <p:cNvSpPr/>
+          <p:nvPr/>
+        </p:nvSpPr>
+        <p:spPr>
+          <a:xfrm>
+            <a:off x="1147198" y="3205781"/>
+            <a:ext cx="1539433" cy="555584"/>
+          </a:xfrm>
+          <a:prstGeom prst="rect">
+            <a:avLst/>
+          </a:prstGeom>
+          <a:solidFill>
+            <a:schemeClr val="bg1">
+              <a:lumMod val="85000"/>
+            </a:schemeClr>
+          </a:solidFill>
+        </p:spPr>
+        <p:style>
+          <a:lnRef idx="2">
+            <a:schemeClr val="accent1">
+              <a:shade val="50000"/>
+            </a:schemeClr>
+          </a:lnRef>
+          <a:fillRef idx="1">
+            <a:schemeClr val="accent1"/>
+          </a:fillRef>
+          <a:effectRef idx="0">
+            <a:schemeClr val="accent1"/>
+          </a:effectRef>
+          <a:fontRef idx="minor">
+            <a:schemeClr val="lt1"/>
+          </a:fontRef>
+        </p:style>
+        <p:txBody>
+          <a:bodyPr rtlCol="1" anchor="ctr"/>
+          <a:lstStyle/>
+          <a:p>
+            <a:pPr algn="ctr"/>
+            <a:r>
+              <a:rPr lang="en-US" b="1" dirty="0" smtClean="0">
+                <a:solidFill>
+                  <a:srgbClr val="7030A0"/>
+                </a:solidFill>
+              </a:rPr>
+              <a:t>6</a:t>
+            </a:r>
+            <a:endParaRPr lang="he-IL" b="1" dirty="0">
+              <a:solidFill>
+                <a:srgbClr val="7030A0"/>
+              </a:solidFill>
+            </a:endParaRPr>
+          </a:p>
+        </p:txBody>
+      </p:sp>
+      <p:sp>
+        <p:nvSpPr>
+          <p:cNvPr id="32" name="TextBox 31"/>
+          <p:cNvSpPr txBox="1"/>
+          <p:nvPr/>
+        </p:nvSpPr>
+        <p:spPr>
+          <a:xfrm>
+            <a:off x="1228089" y="2808593"/>
+            <a:ext cx="1412246" cy="369332"/>
+          </a:xfrm>
+          <a:prstGeom prst="rect">
+            <a:avLst/>
+          </a:prstGeom>
+          <a:noFill/>
+        </p:spPr>
+        <p:txBody>
+          <a:bodyPr wrap="none" rtlCol="1">
+            <a:spAutoFit/>
+          </a:bodyPr>
+          <a:lstStyle/>
+          <a:p>
+            <a:r>
+              <a:rPr lang="en-US" dirty="0" smtClean="0"/>
+              <a:t>Positioned at</a:t>
+            </a:r>
+            <a:endParaRPr lang="he-IL" dirty="0"/>
+          </a:p>
+        </p:txBody>
+      </p:sp>
     </p:spTree>
     <p:extLst>
       <p:ext uri="{BB962C8B-B14F-4D97-AF65-F5344CB8AC3E}">
@@ -6001,7 +5922,7 @@
         </p:nvSpPr>
         <p:spPr>
           <a:xfrm>
-            <a:off x="879676" y="1667813"/>
+            <a:off x="912037" y="1657297"/>
             <a:ext cx="4977114" cy="4617240"/>
           </a:xfrm>
           <a:prstGeom prst="rect">
@@ -6103,7 +6024,7 @@
             <a:pPr algn="ctr"/>
             <a:r>
               <a:rPr lang="en-US" dirty="0" smtClean="0"/>
-              <a:t>1,537.75</a:t>
+              <a:t>1,537.50</a:t>
             </a:r>
             <a:endParaRPr lang="he-IL" dirty="0"/>
           </a:p>
@@ -6141,21 +6062,18 @@
       </p:sp>
       <p:sp>
         <p:nvSpPr>
-          <p:cNvPr id="5" name="אליפסה 4"/>
+          <p:cNvPr id="6" name="מלבן 5"/>
           <p:cNvSpPr/>
           <p:nvPr/>
         </p:nvSpPr>
         <p:spPr>
           <a:xfrm>
-            <a:off x="1191322" y="4264300"/>
-            <a:ext cx="1932972" cy="902826"/>
-          </a:xfrm>
-          <a:prstGeom prst="ellipse">
-            <a:avLst/>
-          </a:prstGeom>
-          <a:solidFill>
-            <a:schemeClr val="accent6"/>
-          </a:solidFill>
+            <a:off x="3578797" y="2037145"/>
+            <a:ext cx="1539433" cy="555584"/>
+          </a:xfrm>
+          <a:prstGeom prst="rect">
+            <a:avLst/>
+          </a:prstGeom>
         </p:spPr>
         <p:style>
           <a:lnRef idx="2">
@@ -6180,7 +6098,7 @@
             <a:pPr algn="ctr"/>
             <a:r>
               <a:rPr lang="en-US" dirty="0" smtClean="0"/>
-              <a:t>Abort</a:t>
+              <a:t>9.25</a:t>
             </a:r>
             <a:endParaRPr lang="he-IL" dirty="0"/>
           </a:p>
@@ -6188,18 +6106,51 @@
       </p:sp>
       <p:sp>
         <p:nvSpPr>
-          <p:cNvPr id="6" name="מלבן 5"/>
+          <p:cNvPr id="7" name="TextBox 6"/>
+          <p:cNvSpPr txBox="1"/>
+          <p:nvPr/>
+        </p:nvSpPr>
+        <p:spPr>
+          <a:xfrm>
+            <a:off x="3668743" y="1657297"/>
+            <a:ext cx="1359539" cy="369332"/>
+          </a:xfrm>
+          <a:prstGeom prst="rect">
+            <a:avLst/>
+          </a:prstGeom>
+          <a:noFill/>
+        </p:spPr>
+        <p:txBody>
+          <a:bodyPr wrap="none" rtlCol="1">
+            <a:spAutoFit/>
+          </a:bodyPr>
+          <a:lstStyle/>
+          <a:p>
+            <a:r>
+              <a:rPr lang="en-US" dirty="0" smtClean="0"/>
+              <a:t>Energy Level</a:t>
+            </a:r>
+            <a:endParaRPr lang="he-IL" dirty="0"/>
+          </a:p>
+        </p:txBody>
+      </p:sp>
+      <p:sp>
+        <p:nvSpPr>
+          <p:cNvPr id="8" name="מלבן 7"/>
           <p:cNvSpPr/>
           <p:nvPr/>
         </p:nvSpPr>
         <p:spPr>
           <a:xfrm>
-            <a:off x="3578797" y="2037145"/>
-            <a:ext cx="1539433" cy="555584"/>
-          </a:xfrm>
-          <a:prstGeom prst="rect">
-            <a:avLst/>
-          </a:prstGeom>
+            <a:off x="6824591" y="2166341"/>
+            <a:ext cx="1620456" cy="659757"/>
+          </a:xfrm>
+          <a:prstGeom prst="rect">
+            <a:avLst/>
+          </a:prstGeom>
+          <a:solidFill>
+            <a:schemeClr val="accent2"/>
+          </a:solidFill>
         </p:spPr>
         <p:style>
           <a:lnRef idx="2">
@@ -6224,7 +6175,7 @@
             <a:pPr algn="ctr"/>
             <a:r>
               <a:rPr lang="en-US" dirty="0" smtClean="0"/>
-              <a:t>9.25</a:t>
+              <a:t>7</a:t>
             </a:r>
             <a:endParaRPr lang="he-IL" dirty="0"/>
           </a:p>
@@ -6232,14 +6183,14 @@
       </p:sp>
       <p:sp>
         <p:nvSpPr>
-          <p:cNvPr id="7" name="TextBox 6"/>
+          <p:cNvPr id="9" name="TextBox 8"/>
           <p:cNvSpPr txBox="1"/>
           <p:nvPr/>
         </p:nvSpPr>
         <p:spPr>
           <a:xfrm>
-            <a:off x="3668743" y="1657297"/>
-            <a:ext cx="1359539" cy="369332"/>
+            <a:off x="7362340" y="1797009"/>
+            <a:ext cx="544957" cy="369332"/>
           </a:xfrm>
           <a:prstGeom prst="rect">
             <a:avLst/>
@@ -6254,7 +6205,7 @@
           <a:p>
             <a:r>
               <a:rPr lang="en-US" dirty="0" smtClean="0"/>
-              <a:t>Energy Level</a:t>
+              <a:t>Size</a:t>
             </a:r>
             <a:endParaRPr lang="he-IL" dirty="0"/>
           </a:p>
@@ -6262,20 +6213,80 @@
       </p:sp>
       <p:sp>
         <p:nvSpPr>
-          <p:cNvPr id="8" name="מלבן 7"/>
+          <p:cNvPr id="12" name="TextBox 11"/>
+          <p:cNvSpPr txBox="1"/>
+          <p:nvPr/>
+        </p:nvSpPr>
+        <p:spPr>
+          <a:xfrm>
+            <a:off x="2730755" y="1169089"/>
+            <a:ext cx="587020" cy="369332"/>
+          </a:xfrm>
+          <a:prstGeom prst="rect">
+            <a:avLst/>
+          </a:prstGeom>
+          <a:noFill/>
+        </p:spPr>
+        <p:txBody>
+          <a:bodyPr wrap="none" rtlCol="1">
+            <a:spAutoFit/>
+          </a:bodyPr>
+          <a:lstStyle/>
+          <a:p>
+            <a:r>
+              <a:rPr lang="en-US" dirty="0" smtClean="0"/>
+              <a:t>Ship</a:t>
+            </a:r>
+            <a:endParaRPr lang="he-IL" dirty="0"/>
+          </a:p>
+        </p:txBody>
+      </p:sp>
+      <p:sp>
+        <p:nvSpPr>
+          <p:cNvPr id="13" name="TextBox 12"/>
+          <p:cNvSpPr txBox="1"/>
+          <p:nvPr/>
+        </p:nvSpPr>
+        <p:spPr>
+          <a:xfrm>
+            <a:off x="8643134" y="1169089"/>
+            <a:ext cx="1247906" cy="369332"/>
+          </a:xfrm>
+          <a:prstGeom prst="rect">
+            <a:avLst/>
+          </a:prstGeom>
+          <a:noFill/>
+        </p:spPr>
+        <p:txBody>
+          <a:bodyPr wrap="none" rtlCol="1">
+            <a:spAutoFit/>
+          </a:bodyPr>
+          <a:lstStyle/>
+          <a:p>
+            <a:r>
+              <a:rPr lang="en-US" dirty="0" smtClean="0"/>
+              <a:t>Energy Star</a:t>
+            </a:r>
+            <a:endParaRPr lang="he-IL" dirty="0"/>
+          </a:p>
+        </p:txBody>
+      </p:sp>
+      <p:sp>
+        <p:nvSpPr>
+          <p:cNvPr id="23" name="אליפסה 22"/>
           <p:cNvSpPr/>
           <p:nvPr/>
         </p:nvSpPr>
         <p:spPr>
           <a:xfrm>
-            <a:off x="6824591" y="2166341"/>
-            <a:ext cx="1620456" cy="659757"/>
-          </a:xfrm>
-          <a:prstGeom prst="rect">
+            <a:off x="3439156" y="5031958"/>
+            <a:ext cx="1932972" cy="902826"/>
+          </a:xfrm>
+          <a:prstGeom prst="ellipse">
             <a:avLst/>
           </a:prstGeom>
           <a:solidFill>
-            <a:schemeClr val="accent2"/>
+            <a:schemeClr val="accent6"/>
           </a:solidFill>
         </p:spPr>
         <p:style>
@@ -6301,7 +6312,7 @@
             <a:pPr algn="ctr"/>
             <a:r>
               <a:rPr lang="en-US" dirty="0" smtClean="0"/>
-              <a:t>7</a:t>
+              <a:t>Abort</a:t>
             </a:r>
             <a:endParaRPr lang="he-IL" dirty="0"/>
           </a:p>
@@ -6309,133 +6320,13 @@
       </p:sp>
       <p:sp>
         <p:nvSpPr>
-          <p:cNvPr id="9" name="TextBox 8"/>
-          <p:cNvSpPr txBox="1"/>
-          <p:nvPr/>
-        </p:nvSpPr>
-        <p:spPr>
-          <a:xfrm>
-            <a:off x="7362340" y="1797009"/>
-            <a:ext cx="544957" cy="369332"/>
-          </a:xfrm>
-          <a:prstGeom prst="rect">
-            <a:avLst/>
-          </a:prstGeom>
-          <a:noFill/>
-        </p:spPr>
-        <p:txBody>
-          <a:bodyPr wrap="none" rtlCol="1">
-            <a:spAutoFit/>
-          </a:bodyPr>
-          <a:lstStyle/>
-          <a:p>
-            <a:r>
-              <a:rPr lang="en-US" dirty="0" smtClean="0"/>
-              <a:t>Size</a:t>
-            </a:r>
-            <a:endParaRPr lang="he-IL" dirty="0"/>
-          </a:p>
-        </p:txBody>
-      </p:sp>
-      <p:sp>
-        <p:nvSpPr>
-          <p:cNvPr id="12" name="TextBox 11"/>
-          <p:cNvSpPr txBox="1"/>
-          <p:nvPr/>
-        </p:nvSpPr>
-        <p:spPr>
-          <a:xfrm>
-            <a:off x="2730755" y="1169089"/>
-            <a:ext cx="587020" cy="369332"/>
-          </a:xfrm>
-          <a:prstGeom prst="rect">
-            <a:avLst/>
-          </a:prstGeom>
-          <a:noFill/>
-        </p:spPr>
-        <p:txBody>
-          <a:bodyPr wrap="none" rtlCol="1">
-            <a:spAutoFit/>
-          </a:bodyPr>
-          <a:lstStyle/>
-          <a:p>
-            <a:r>
-              <a:rPr lang="en-US" dirty="0" smtClean="0"/>
-              <a:t>Ship</a:t>
-            </a:r>
-            <a:endParaRPr lang="he-IL" dirty="0"/>
-          </a:p>
-        </p:txBody>
-      </p:sp>
-      <p:sp>
-        <p:nvSpPr>
-          <p:cNvPr id="13" name="TextBox 12"/>
-          <p:cNvSpPr txBox="1"/>
-          <p:nvPr/>
-        </p:nvSpPr>
-        <p:spPr>
-          <a:xfrm>
-            <a:off x="8643134" y="1169089"/>
-            <a:ext cx="1247906" cy="369332"/>
-          </a:xfrm>
-          <a:prstGeom prst="rect">
-            <a:avLst/>
-          </a:prstGeom>
-          <a:noFill/>
-        </p:spPr>
-        <p:txBody>
-          <a:bodyPr wrap="none" rtlCol="1">
-            <a:spAutoFit/>
-          </a:bodyPr>
-          <a:lstStyle/>
-          <a:p>
-            <a:r>
-              <a:rPr lang="en-US" dirty="0" smtClean="0"/>
-              <a:t>Energy Star</a:t>
-            </a:r>
-            <a:endParaRPr lang="he-IL" dirty="0"/>
-          </a:p>
-        </p:txBody>
-      </p:sp>
-      <p:sp>
-        <p:nvSpPr>
-          <p:cNvPr id="15" name="TextBox 14"/>
-          <p:cNvSpPr txBox="1"/>
-          <p:nvPr/>
-        </p:nvSpPr>
-        <p:spPr>
-          <a:xfrm>
-            <a:off x="1363412" y="2859762"/>
-            <a:ext cx="969433" cy="369332"/>
-          </a:xfrm>
-          <a:prstGeom prst="rect">
-            <a:avLst/>
-          </a:prstGeom>
-          <a:noFill/>
-        </p:spPr>
-        <p:txBody>
-          <a:bodyPr wrap="none" rtlCol="1">
-            <a:spAutoFit/>
-          </a:bodyPr>
-          <a:lstStyle/>
-          <a:p>
-            <a:r>
-              <a:rPr lang="en-US" dirty="0" smtClean="0"/>
-              <a:t>Move to</a:t>
-            </a:r>
-            <a:endParaRPr lang="he-IL" dirty="0"/>
-          </a:p>
-        </p:txBody>
-      </p:sp>
-      <p:sp>
-        <p:nvSpPr>
-          <p:cNvPr id="22" name="מלבן 21"/>
+          <p:cNvPr id="30" name="מלבן 29"/>
           <p:cNvSpPr/>
           <p:nvPr/>
         </p:nvSpPr>
         <p:spPr>
           <a:xfrm>
-            <a:off x="1191322" y="3229095"/>
+            <a:off x="3625234" y="3229095"/>
             <a:ext cx="1539433" cy="555584"/>
           </a:xfrm>
           <a:prstGeom prst="rect">
@@ -6484,7 +6375,7 @@
       </p:sp>
       <p:pic>
         <p:nvPicPr>
-          <p:cNvPr id="24" name="תמונה 23"/>
+          <p:cNvPr id="31" name="תמונה 30"/>
           <p:cNvPicPr>
             <a:picLocks noChangeAspect="1"/>
           </p:cNvPicPr>
@@ -6498,7 +6389,7 @@
         </p:blipFill>
         <p:spPr>
           <a:xfrm>
-            <a:off x="2760310" y="3229094"/>
+            <a:off x="5194222" y="3229094"/>
             <a:ext cx="187047" cy="555585"/>
           </a:xfrm>
           <a:prstGeom prst="rect">
@@ -6508,14 +6399,14 @@
       </p:pic>
       <p:sp>
         <p:nvSpPr>
-          <p:cNvPr id="25" name="TextBox 24"/>
+          <p:cNvPr id="32" name="TextBox 31"/>
           <p:cNvSpPr txBox="1"/>
           <p:nvPr/>
         </p:nvSpPr>
         <p:spPr>
           <a:xfrm>
-            <a:off x="3583674" y="2844375"/>
-            <a:ext cx="1461106" cy="369332"/>
+            <a:off x="3927242" y="3824214"/>
+            <a:ext cx="956800" cy="369332"/>
           </a:xfrm>
           <a:prstGeom prst="rect">
             <a:avLst/>
@@ -6530,7 +6421,11 @@
           <a:p>
             <a:r>
               <a:rPr lang="en-US" dirty="0" smtClean="0"/>
-              <a:t>Auto Abort at</a:t>
+              <a:t>Abort </a:t>
+            </a:r>
+            <a:r>
+              <a:rPr lang="en-US" dirty="0" smtClean="0"/>
+              <a:t>at</a:t>
             </a:r>
             <a:endParaRPr lang="he-IL" dirty="0"/>
           </a:p>
@@ -6538,13 +6433,13 @@
       </p:sp>
       <p:sp>
         <p:nvSpPr>
-          <p:cNvPr id="26" name="מלבן 25"/>
+          <p:cNvPr id="33" name="מלבן 32"/>
           <p:cNvSpPr/>
           <p:nvPr/>
         </p:nvSpPr>
         <p:spPr>
           <a:xfrm>
-            <a:off x="3604786" y="3198615"/>
+            <a:off x="3604786" y="4287822"/>
             <a:ext cx="1539433" cy="555584"/>
           </a:xfrm>
           <a:prstGeom prst="rect">
@@ -6593,7 +6488,7 @@
       </p:sp>
       <p:pic>
         <p:nvPicPr>
-          <p:cNvPr id="27" name="תמונה 26"/>
+          <p:cNvPr id="34" name="תמונה 33"/>
           <p:cNvPicPr>
             <a:picLocks noChangeAspect="1"/>
           </p:cNvPicPr>
@@ -6607,7 +6502,7 @@
         </p:blipFill>
         <p:spPr>
           <a:xfrm>
-            <a:off x="5173774" y="3198614"/>
+            <a:off x="5173774" y="4287821"/>
             <a:ext cx="187047" cy="555585"/>
           </a:xfrm>
           <a:prstGeom prst="rect">
@@ -6617,20 +6512,22 @@
       </p:pic>
       <p:sp>
         <p:nvSpPr>
-          <p:cNvPr id="28" name="מלבן 27"/>
+          <p:cNvPr id="35" name="מלבן 34"/>
           <p:cNvSpPr/>
           <p:nvPr/>
         </p:nvSpPr>
         <p:spPr>
           <a:xfrm>
-            <a:off x="8885935" y="2166341"/>
-            <a:ext cx="1620456" cy="659757"/>
+            <a:off x="1147198" y="3205781"/>
+            <a:ext cx="1539433" cy="555584"/>
           </a:xfrm>
           <a:prstGeom prst="rect">
             <a:avLst/>
           </a:prstGeom>
           <a:solidFill>
-            <a:schemeClr val="accent2"/>
+            <a:schemeClr val="bg1">
+              <a:lumMod val="85000"/>
+            </a:schemeClr>
           </a:solidFill>
         </p:spPr>
         <p:style>
@@ -6655,23 +6552,31 @@
           <a:p>
             <a:pPr algn="ctr"/>
             <a:r>
-              <a:rPr lang="en-US" dirty="0" smtClean="0"/>
-              <a:t>6.0-7.0</a:t>
-            </a:r>
-            <a:endParaRPr lang="he-IL" dirty="0"/>
-          </a:p>
-        </p:txBody>
-      </p:sp>
-      <p:sp>
-        <p:nvSpPr>
-          <p:cNvPr id="29" name="TextBox 28"/>
+              <a:rPr lang="en-US" b="1" dirty="0" smtClean="0">
+                <a:solidFill>
+                  <a:srgbClr val="7030A0"/>
+                </a:solidFill>
+              </a:rPr>
+              <a:t>6</a:t>
+            </a:r>
+            <a:endParaRPr lang="he-IL" b="1" dirty="0">
+              <a:solidFill>
+                <a:srgbClr val="7030A0"/>
+              </a:solidFill>
+            </a:endParaRPr>
+          </a:p>
+        </p:txBody>
+      </p:sp>
+      <p:sp>
+        <p:nvSpPr>
+          <p:cNvPr id="36" name="TextBox 35"/>
           <p:cNvSpPr txBox="1"/>
           <p:nvPr/>
         </p:nvSpPr>
         <p:spPr>
           <a:xfrm>
-            <a:off x="8736310" y="1797009"/>
-            <a:ext cx="1860446" cy="369332"/>
+            <a:off x="1228089" y="2808593"/>
+            <a:ext cx="1412246" cy="369332"/>
           </a:xfrm>
           <a:prstGeom prst="rect">
             <a:avLst/>
@@ -6685,12 +6590,131 @@
           <a:lstStyle/>
           <a:p>
             <a:r>
+              <a:rPr lang="en-US" dirty="0" smtClean="0"/>
+              <a:t>Positioned at</a:t>
+            </a:r>
+            <a:endParaRPr lang="he-IL" dirty="0"/>
+          </a:p>
+        </p:txBody>
+      </p:sp>
+      <p:sp>
+        <p:nvSpPr>
+          <p:cNvPr id="37" name="TextBox 36"/>
+          <p:cNvSpPr txBox="1"/>
+          <p:nvPr/>
+        </p:nvSpPr>
+        <p:spPr>
+          <a:xfrm>
+            <a:off x="4006284" y="2874855"/>
+            <a:ext cx="1058944" cy="369332"/>
+          </a:xfrm>
+          <a:prstGeom prst="rect">
+            <a:avLst/>
+          </a:prstGeom>
+          <a:noFill/>
+        </p:spPr>
+        <p:txBody>
+          <a:bodyPr wrap="none" rtlCol="1">
+            <a:spAutoFit/>
+          </a:bodyPr>
+          <a:lstStyle/>
+          <a:p>
+            <a:r>
+              <a:rPr lang="en-US" dirty="0" smtClean="0"/>
+              <a:t>Return at</a:t>
+            </a:r>
+            <a:endParaRPr lang="he-IL" dirty="0"/>
+          </a:p>
+        </p:txBody>
+      </p:sp>
+      <p:sp>
+        <p:nvSpPr>
+          <p:cNvPr id="24" name="מלבן 23"/>
+          <p:cNvSpPr/>
+          <p:nvPr/>
+        </p:nvSpPr>
+        <p:spPr>
+          <a:xfrm>
+            <a:off x="7791752" y="4685620"/>
+            <a:ext cx="1620456" cy="659757"/>
+          </a:xfrm>
+          <a:prstGeom prst="rect">
+            <a:avLst/>
+          </a:prstGeom>
+          <a:solidFill>
+            <a:schemeClr val="accent2"/>
+          </a:solidFill>
+        </p:spPr>
+        <p:style>
+          <a:lnRef idx="2">
+            <a:schemeClr val="accent1">
+              <a:shade val="50000"/>
+            </a:schemeClr>
+          </a:lnRef>
+          <a:fillRef idx="1">
+            <a:schemeClr val="accent1"/>
+          </a:fillRef>
+          <a:effectRef idx="0">
+            <a:schemeClr val="accent1"/>
+          </a:effectRef>
+          <a:fontRef idx="minor">
+            <a:schemeClr val="lt1"/>
+          </a:fontRef>
+        </p:style>
+        <p:txBody>
+          <a:bodyPr rtlCol="1" anchor="ctr"/>
+          <a:lstStyle/>
+          <a:p>
+            <a:pPr algn="ctr"/>
+            <a:r>
+              <a:rPr lang="en-US" dirty="0"/>
+              <a:t>6.5-7.5</a:t>
+            </a:r>
+            <a:endParaRPr lang="he-IL" dirty="0"/>
+          </a:p>
+        </p:txBody>
+      </p:sp>
+      <p:sp>
+        <p:nvSpPr>
+          <p:cNvPr id="25" name="TextBox 24"/>
+          <p:cNvSpPr txBox="1"/>
+          <p:nvPr/>
+        </p:nvSpPr>
+        <p:spPr>
+          <a:xfrm>
+            <a:off x="7019676" y="4251592"/>
+            <a:ext cx="4155561" cy="369332"/>
+          </a:xfrm>
+          <a:prstGeom prst="rect">
+            <a:avLst/>
+          </a:prstGeom>
+          <a:noFill/>
+        </p:spPr>
+        <p:txBody>
+          <a:bodyPr wrap="none" rtlCol="1">
+            <a:spAutoFit/>
+          </a:bodyPr>
+          <a:lstStyle/>
+          <a:p>
+            <a:r>
               <a:rPr lang="en-US" dirty="0" err="1" smtClean="0"/>
               <a:t>DisAllowed</a:t>
             </a:r>
             <a:r>
               <a:rPr lang="en-US" dirty="0" smtClean="0"/>
-              <a:t> setup</a:t>
+              <a:t> </a:t>
+            </a:r>
+            <a:r>
+              <a:rPr lang="en-US" dirty="0" smtClean="0"/>
+              <a:t>change </a:t>
+            </a:r>
+            <a:r>
+              <a:rPr lang="en-US" dirty="0" smtClean="0"/>
+              <a:t>R</a:t>
+            </a:r>
+            <a:r>
+              <a:rPr lang="en-US" dirty="0" smtClean="0"/>
+              <a:t>eturn/Abort values to</a:t>
             </a:r>
             <a:endParaRPr lang="he-IL" dirty="0"/>
           </a:p>
@@ -6845,7 +6869,7 @@
             <a:pPr rtl="0"/>
             <a:r>
               <a:rPr lang="en-US" dirty="0" smtClean="0"/>
-              <a:t>Setup screen after move</a:t>
+              <a:t>Setup screen after Return change</a:t>
             </a:r>
             <a:endParaRPr lang="he-IL" dirty="0"/>
           </a:p>
@@ -6853,18 +6877,21 @@
       </p:sp>
       <p:sp>
         <p:nvSpPr>
-          <p:cNvPr id="3" name="מלבן 2"/>
+          <p:cNvPr id="8" name="מלבן 7"/>
           <p:cNvSpPr/>
           <p:nvPr/>
         </p:nvSpPr>
         <p:spPr>
           <a:xfrm>
-            <a:off x="1134319" y="2037145"/>
-            <a:ext cx="1539433" cy="555584"/>
-          </a:xfrm>
-          <a:prstGeom prst="rect">
-            <a:avLst/>
-          </a:prstGeom>
+            <a:off x="6824591" y="2166341"/>
+            <a:ext cx="1620456" cy="659757"/>
+          </a:xfrm>
+          <a:prstGeom prst="rect">
+            <a:avLst/>
+          </a:prstGeom>
+          <a:solidFill>
+            <a:schemeClr val="accent2"/>
+          </a:solidFill>
         </p:spPr>
         <p:style>
           <a:lnRef idx="2">
@@ -6889,7 +6916,7 @@
             <a:pPr algn="ctr"/>
             <a:r>
               <a:rPr lang="en-US" dirty="0" smtClean="0"/>
-              <a:t>1,537.75</a:t>
+              <a:t>7</a:t>
             </a:r>
             <a:endParaRPr lang="he-IL" dirty="0"/>
           </a:p>
@@ -6897,14 +6924,14 @@
       </p:sp>
       <p:sp>
         <p:nvSpPr>
-          <p:cNvPr id="4" name="TextBox 3"/>
+          <p:cNvPr id="9" name="TextBox 8"/>
           <p:cNvSpPr txBox="1"/>
           <p:nvPr/>
         </p:nvSpPr>
         <p:spPr>
           <a:xfrm>
-            <a:off x="1444614" y="1667813"/>
-            <a:ext cx="918841" cy="369332"/>
+            <a:off x="7362340" y="1797009"/>
+            <a:ext cx="544957" cy="369332"/>
           </a:xfrm>
           <a:prstGeom prst="rect">
             <a:avLst/>
@@ -6919,7 +6946,7 @@
           <a:p>
             <a:r>
               <a:rPr lang="en-US" dirty="0" smtClean="0"/>
-              <a:t>Balance</a:t>
+              <a:t>Size</a:t>
             </a:r>
             <a:endParaRPr lang="he-IL" dirty="0"/>
           </a:p>
@@ -6927,20 +6954,83 @@
       </p:sp>
       <p:sp>
         <p:nvSpPr>
-          <p:cNvPr id="5" name="אליפסה 4"/>
+          <p:cNvPr id="12" name="TextBox 11"/>
+          <p:cNvSpPr txBox="1"/>
+          <p:nvPr/>
+        </p:nvSpPr>
+        <p:spPr>
+          <a:xfrm>
+            <a:off x="2730755" y="1169089"/>
+            <a:ext cx="587020" cy="369332"/>
+          </a:xfrm>
+          <a:prstGeom prst="rect">
+            <a:avLst/>
+          </a:prstGeom>
+          <a:noFill/>
+        </p:spPr>
+        <p:txBody>
+          <a:bodyPr wrap="none" rtlCol="1">
+            <a:spAutoFit/>
+          </a:bodyPr>
+          <a:lstStyle/>
+          <a:p>
+            <a:r>
+              <a:rPr lang="en-US" dirty="0" smtClean="0"/>
+              <a:t>Ship</a:t>
+            </a:r>
+            <a:endParaRPr lang="he-IL" dirty="0"/>
+          </a:p>
+        </p:txBody>
+      </p:sp>
+      <p:sp>
+        <p:nvSpPr>
+          <p:cNvPr id="13" name="TextBox 12"/>
+          <p:cNvSpPr txBox="1"/>
+          <p:nvPr/>
+        </p:nvSpPr>
+        <p:spPr>
+          <a:xfrm>
+            <a:off x="8643134" y="1169089"/>
+            <a:ext cx="1247906" cy="369332"/>
+          </a:xfrm>
+          <a:prstGeom prst="rect">
+            <a:avLst/>
+          </a:prstGeom>
+          <a:noFill/>
+        </p:spPr>
+        <p:txBody>
+          <a:bodyPr wrap="none" rtlCol="1">
+            <a:spAutoFit/>
+          </a:bodyPr>
+          <a:lstStyle/>
+          <a:p>
+            <a:r>
+              <a:rPr lang="en-US" dirty="0" smtClean="0"/>
+              <a:t>Energy Star</a:t>
+            </a:r>
+            <a:endParaRPr lang="he-IL" dirty="0"/>
+          </a:p>
+        </p:txBody>
+      </p:sp>
+      <p:sp>
+        <p:nvSpPr>
+          <p:cNvPr id="43" name="מלבן 42"/>
           <p:cNvSpPr/>
           <p:nvPr/>
         </p:nvSpPr>
         <p:spPr>
           <a:xfrm>
-            <a:off x="1191322" y="4264300"/>
-            <a:ext cx="1932972" cy="902826"/>
-          </a:xfrm>
-          <a:prstGeom prst="ellipse">
+            <a:off x="912037" y="1657297"/>
+            <a:ext cx="4977114" cy="4617240"/>
+          </a:xfrm>
+          <a:prstGeom prst="rect">
             <a:avLst/>
           </a:prstGeom>
           <a:solidFill>
-            <a:schemeClr val="accent6"/>
+            <a:schemeClr val="accent4">
+              <a:lumMod val="40000"/>
+              <a:lumOff val="60000"/>
+            </a:schemeClr>
           </a:solidFill>
         </p:spPr>
         <p:style>
@@ -6964,23 +7054,19 @@
           <a:lstStyle/>
           <a:p>
             <a:pPr algn="ctr"/>
-            <a:r>
-              <a:rPr lang="en-US" dirty="0" smtClean="0"/>
-              <a:t>Abort</a:t>
-            </a:r>
-            <a:endParaRPr lang="he-IL" dirty="0"/>
-          </a:p>
-        </p:txBody>
-      </p:sp>
-      <p:sp>
-        <p:nvSpPr>
-          <p:cNvPr id="6" name="מלבן 5"/>
+            <a:endParaRPr lang="he-IL"/>
+          </a:p>
+        </p:txBody>
+      </p:sp>
+      <p:sp>
+        <p:nvSpPr>
+          <p:cNvPr id="57" name="מלבן 56"/>
           <p:cNvSpPr/>
           <p:nvPr/>
         </p:nvSpPr>
         <p:spPr>
           <a:xfrm>
-            <a:off x="3578797" y="2037145"/>
+            <a:off x="1134319" y="2037145"/>
             <a:ext cx="1539433" cy="555584"/>
           </a:xfrm>
           <a:prstGeom prst="rect">
@@ -7010,7 +7096,7 @@
             <a:pPr algn="ctr"/>
             <a:r>
               <a:rPr lang="en-US" dirty="0" smtClean="0"/>
-              <a:t>9.25</a:t>
+              <a:t>1,537.50</a:t>
             </a:r>
             <a:endParaRPr lang="he-IL" dirty="0"/>
           </a:p>
@@ -7018,14 +7104,14 @@
       </p:sp>
       <p:sp>
         <p:nvSpPr>
-          <p:cNvPr id="7" name="TextBox 6"/>
+          <p:cNvPr id="58" name="TextBox 57"/>
           <p:cNvSpPr txBox="1"/>
           <p:nvPr/>
         </p:nvSpPr>
         <p:spPr>
           <a:xfrm>
-            <a:off x="3668743" y="1657297"/>
-            <a:ext cx="1359539" cy="369332"/>
+            <a:off x="1444614" y="1667813"/>
+            <a:ext cx="918841" cy="369332"/>
           </a:xfrm>
           <a:prstGeom prst="rect">
             <a:avLst/>
@@ -7040,7 +7126,7 @@
           <a:p>
             <a:r>
               <a:rPr lang="en-US" dirty="0" smtClean="0"/>
-              <a:t>Energy Level</a:t>
+              <a:t>Balance</a:t>
             </a:r>
             <a:endParaRPr lang="he-IL" dirty="0"/>
           </a:p>
@@ -7048,21 +7134,18 @@
       </p:sp>
       <p:sp>
         <p:nvSpPr>
-          <p:cNvPr id="8" name="מלבן 7"/>
+          <p:cNvPr id="59" name="מלבן 58"/>
           <p:cNvSpPr/>
           <p:nvPr/>
         </p:nvSpPr>
         <p:spPr>
           <a:xfrm>
-            <a:off x="6824591" y="2166341"/>
-            <a:ext cx="1620456" cy="659757"/>
-          </a:xfrm>
-          <a:prstGeom prst="rect">
-            <a:avLst/>
-          </a:prstGeom>
-          <a:solidFill>
-            <a:schemeClr val="accent2"/>
-          </a:solidFill>
+            <a:off x="3578797" y="2037145"/>
+            <a:ext cx="1539433" cy="555584"/>
+          </a:xfrm>
+          <a:prstGeom prst="rect">
+            <a:avLst/>
+          </a:prstGeom>
         </p:spPr>
         <p:style>
           <a:lnRef idx="2">
@@ -7087,7 +7170,7 @@
             <a:pPr algn="ctr"/>
             <a:r>
               <a:rPr lang="en-US" dirty="0" smtClean="0"/>
-              <a:t>7</a:t>
+              <a:t>9.25</a:t>
             </a:r>
             <a:endParaRPr lang="he-IL" dirty="0"/>
           </a:p>
@@ -7095,14 +7178,14 @@
       </p:sp>
       <p:sp>
         <p:nvSpPr>
-          <p:cNvPr id="9" name="TextBox 8"/>
+          <p:cNvPr id="60" name="TextBox 59"/>
           <p:cNvSpPr txBox="1"/>
           <p:nvPr/>
         </p:nvSpPr>
         <p:spPr>
           <a:xfrm>
-            <a:off x="7362340" y="1797009"/>
-            <a:ext cx="544957" cy="369332"/>
+            <a:off x="3668743" y="1657297"/>
+            <a:ext cx="1359539" cy="369332"/>
           </a:xfrm>
           <a:prstGeom prst="rect">
             <a:avLst/>
@@ -7117,7 +7200,7 @@
           <a:p>
             <a:r>
               <a:rPr lang="en-US" dirty="0" smtClean="0"/>
-              <a:t>Size</a:t>
+              <a:t>Energy Level</a:t>
             </a:r>
             <a:endParaRPr lang="he-IL" dirty="0"/>
           </a:p>
@@ -7125,110 +7208,20 @@
       </p:sp>
       <p:sp>
         <p:nvSpPr>
-          <p:cNvPr id="12" name="TextBox 11"/>
-          <p:cNvSpPr txBox="1"/>
-          <p:nvPr/>
-        </p:nvSpPr>
-        <p:spPr>
-          <a:xfrm>
-            <a:off x="2730755" y="1169089"/>
-            <a:ext cx="587020" cy="369332"/>
-          </a:xfrm>
-          <a:prstGeom prst="rect">
-            <a:avLst/>
-          </a:prstGeom>
-          <a:noFill/>
-        </p:spPr>
-        <p:txBody>
-          <a:bodyPr wrap="none" rtlCol="1">
-            <a:spAutoFit/>
-          </a:bodyPr>
-          <a:lstStyle/>
-          <a:p>
-            <a:r>
-              <a:rPr lang="en-US" dirty="0" smtClean="0"/>
-              <a:t>Ship</a:t>
-            </a:r>
-            <a:endParaRPr lang="he-IL" dirty="0"/>
-          </a:p>
-        </p:txBody>
-      </p:sp>
-      <p:sp>
-        <p:nvSpPr>
-          <p:cNvPr id="13" name="TextBox 12"/>
-          <p:cNvSpPr txBox="1"/>
-          <p:nvPr/>
-        </p:nvSpPr>
-        <p:spPr>
-          <a:xfrm>
-            <a:off x="8643134" y="1169089"/>
-            <a:ext cx="1247906" cy="369332"/>
-          </a:xfrm>
-          <a:prstGeom prst="rect">
-            <a:avLst/>
-          </a:prstGeom>
-          <a:noFill/>
-        </p:spPr>
-        <p:txBody>
-          <a:bodyPr wrap="none" rtlCol="1">
-            <a:spAutoFit/>
-          </a:bodyPr>
-          <a:lstStyle/>
-          <a:p>
-            <a:r>
-              <a:rPr lang="en-US" dirty="0" smtClean="0"/>
-              <a:t>Energy Star</a:t>
-            </a:r>
-            <a:endParaRPr lang="he-IL" dirty="0"/>
-          </a:p>
-        </p:txBody>
-      </p:sp>
-      <p:sp>
-        <p:nvSpPr>
-          <p:cNvPr id="15" name="TextBox 14"/>
-          <p:cNvSpPr txBox="1"/>
-          <p:nvPr/>
-        </p:nvSpPr>
-        <p:spPr>
-          <a:xfrm>
-            <a:off x="1387433" y="2826062"/>
-            <a:ext cx="969433" cy="369332"/>
-          </a:xfrm>
-          <a:prstGeom prst="rect">
-            <a:avLst/>
-          </a:prstGeom>
-          <a:noFill/>
-        </p:spPr>
-        <p:txBody>
-          <a:bodyPr wrap="none" rtlCol="1">
-            <a:spAutoFit/>
-          </a:bodyPr>
-          <a:lstStyle/>
-          <a:p>
-            <a:r>
-              <a:rPr lang="en-US" dirty="0" smtClean="0"/>
-              <a:t>Move to</a:t>
-            </a:r>
-            <a:endParaRPr lang="he-IL" dirty="0"/>
-          </a:p>
-        </p:txBody>
-      </p:sp>
-      <p:sp>
-        <p:nvSpPr>
-          <p:cNvPr id="22" name="מלבן 21"/>
+          <p:cNvPr id="62" name="אליפסה 61"/>
           <p:cNvSpPr/>
           <p:nvPr/>
         </p:nvSpPr>
         <p:spPr>
           <a:xfrm>
-            <a:off x="1191322" y="3229095"/>
-            <a:ext cx="1539433" cy="555584"/>
-          </a:xfrm>
-          <a:prstGeom prst="rect">
+            <a:off x="3439156" y="5031958"/>
+            <a:ext cx="1932972" cy="902826"/>
+          </a:xfrm>
+          <a:prstGeom prst="ellipse">
             <a:avLst/>
           </a:prstGeom>
           <a:solidFill>
-            <a:srgbClr val="FFFF00"/>
+            <a:schemeClr val="accent6"/>
           </a:solidFill>
         </p:spPr>
         <p:style>
@@ -7253,6 +7246,53 @@
           <a:p>
             <a:pPr algn="ctr"/>
             <a:r>
+              <a:rPr lang="en-US" dirty="0" smtClean="0"/>
+              <a:t>Abort</a:t>
+            </a:r>
+            <a:endParaRPr lang="he-IL" dirty="0"/>
+          </a:p>
+        </p:txBody>
+      </p:sp>
+      <p:sp>
+        <p:nvSpPr>
+          <p:cNvPr id="63" name="מלבן 62"/>
+          <p:cNvSpPr/>
+          <p:nvPr/>
+        </p:nvSpPr>
+        <p:spPr>
+          <a:xfrm>
+            <a:off x="3625234" y="3229095"/>
+            <a:ext cx="1539433" cy="555584"/>
+          </a:xfrm>
+          <a:prstGeom prst="rect">
+            <a:avLst/>
+          </a:prstGeom>
+          <a:solidFill>
+            <a:srgbClr val="FFFF00"/>
+          </a:solidFill>
+        </p:spPr>
+        <p:style>
+          <a:lnRef idx="2">
+            <a:schemeClr val="accent1">
+              <a:shade val="50000"/>
+            </a:schemeClr>
+          </a:lnRef>
+          <a:fillRef idx="1">
+            <a:schemeClr val="accent1"/>
+          </a:fillRef>
+          <a:effectRef idx="0">
+            <a:schemeClr val="accent1"/>
+          </a:effectRef>
+          <a:fontRef idx="minor">
+            <a:schemeClr val="lt1"/>
+          </a:fontRef>
+        </p:style>
+        <p:txBody>
+          <a:bodyPr rtlCol="1" anchor="ctr"/>
+          <a:lstStyle/>
+          <a:p>
+            <a:pPr algn="ctr"/>
+            <a:r>
               <a:rPr lang="en-US" b="1" dirty="0">
                 <a:solidFill>
                   <a:srgbClr val="7030A0"/>
@@ -7270,7 +7310,7 @@
       </p:sp>
       <p:pic>
         <p:nvPicPr>
-          <p:cNvPr id="24" name="תמונה 23"/>
+          <p:cNvPr id="64" name="תמונה 63"/>
           <p:cNvPicPr>
             <a:picLocks noChangeAspect="1"/>
           </p:cNvPicPr>
@@ -7284,7 +7324,7 @@
         </p:blipFill>
         <p:spPr>
           <a:xfrm>
-            <a:off x="2760310" y="3229094"/>
+            <a:off x="5194222" y="3229094"/>
             <a:ext cx="187047" cy="555585"/>
           </a:xfrm>
           <a:prstGeom prst="rect">
@@ -7294,14 +7334,14 @@
       </p:pic>
       <p:sp>
         <p:nvSpPr>
-          <p:cNvPr id="25" name="TextBox 24"/>
+          <p:cNvPr id="65" name="TextBox 64"/>
           <p:cNvSpPr txBox="1"/>
           <p:nvPr/>
         </p:nvSpPr>
         <p:spPr>
           <a:xfrm>
-            <a:off x="3583674" y="2844375"/>
-            <a:ext cx="1461106" cy="369332"/>
+            <a:off x="3927242" y="3918489"/>
+            <a:ext cx="956800" cy="369332"/>
           </a:xfrm>
           <a:prstGeom prst="rect">
             <a:avLst/>
@@ -7316,7 +7356,11 @@
           <a:p>
             <a:r>
               <a:rPr lang="en-US" dirty="0" smtClean="0"/>
-              <a:t>Auto Abort at</a:t>
+              <a:t>Abort </a:t>
+            </a:r>
+            <a:r>
+              <a:rPr lang="en-US" dirty="0" smtClean="0"/>
+              <a:t>at</a:t>
             </a:r>
             <a:endParaRPr lang="he-IL" dirty="0"/>
           </a:p>
@@ -7324,13 +7368,13 @@
       </p:sp>
       <p:sp>
         <p:nvSpPr>
-          <p:cNvPr id="26" name="מלבן 25"/>
+          <p:cNvPr id="66" name="מלבן 65"/>
           <p:cNvSpPr/>
           <p:nvPr/>
         </p:nvSpPr>
         <p:spPr>
           <a:xfrm>
-            <a:off x="3604786" y="3198615"/>
+            <a:off x="3604786" y="4287822"/>
             <a:ext cx="1539433" cy="555584"/>
           </a:xfrm>
           <a:prstGeom prst="rect">
@@ -7379,7 +7423,7 @@
       </p:sp>
       <p:pic>
         <p:nvPicPr>
-          <p:cNvPr id="27" name="תמונה 26"/>
+          <p:cNvPr id="67" name="תמונה 66"/>
           <p:cNvPicPr>
             <a:picLocks noChangeAspect="1"/>
           </p:cNvPicPr>
@@ -7393,7 +7437,7 @@
         </p:blipFill>
         <p:spPr>
           <a:xfrm>
-            <a:off x="5173774" y="3198614"/>
+            <a:off x="5173774" y="4287821"/>
             <a:ext cx="187047" cy="555585"/>
           </a:xfrm>
           <a:prstGeom prst="rect">
@@ -7403,20 +7447,22 @@
       </p:pic>
       <p:sp>
         <p:nvSpPr>
-          <p:cNvPr id="28" name="מלבן 27"/>
+          <p:cNvPr id="68" name="מלבן 67"/>
           <p:cNvSpPr/>
           <p:nvPr/>
         </p:nvSpPr>
         <p:spPr>
           <a:xfrm>
-            <a:off x="8885935" y="2166341"/>
-            <a:ext cx="1620456" cy="659757"/>
+            <a:off x="1147198" y="3205781"/>
+            <a:ext cx="1539433" cy="555584"/>
           </a:xfrm>
           <a:prstGeom prst="rect">
             <a:avLst/>
           </a:prstGeom>
           <a:solidFill>
-            <a:schemeClr val="accent2"/>
+            <a:schemeClr val="bg1">
+              <a:lumMod val="85000"/>
+            </a:schemeClr>
           </a:solidFill>
         </p:spPr>
         <p:style>
@@ -7441,23 +7487,31 @@
           <a:p>
             <a:pPr algn="ctr"/>
             <a:r>
-              <a:rPr lang="en-US" dirty="0" smtClean="0"/>
-              <a:t>6.0-7.0</a:t>
-            </a:r>
-            <a:endParaRPr lang="he-IL" dirty="0"/>
-          </a:p>
-        </p:txBody>
-      </p:sp>
-      <p:sp>
-        <p:nvSpPr>
-          <p:cNvPr id="29" name="TextBox 28"/>
+              <a:rPr lang="en-US" b="1" dirty="0" smtClean="0">
+                <a:solidFill>
+                  <a:srgbClr val="7030A0"/>
+                </a:solidFill>
+              </a:rPr>
+              <a:t>6</a:t>
+            </a:r>
+            <a:endParaRPr lang="he-IL" b="1" dirty="0">
+              <a:solidFill>
+                <a:srgbClr val="7030A0"/>
+              </a:solidFill>
+            </a:endParaRPr>
+          </a:p>
+        </p:txBody>
+      </p:sp>
+      <p:sp>
+        <p:nvSpPr>
+          <p:cNvPr id="69" name="TextBox 68"/>
           <p:cNvSpPr txBox="1"/>
           <p:nvPr/>
         </p:nvSpPr>
         <p:spPr>
           <a:xfrm>
-            <a:off x="8736310" y="1797009"/>
-            <a:ext cx="1860446" cy="369332"/>
+            <a:off x="1228089" y="2808593"/>
+            <a:ext cx="1412246" cy="369332"/>
           </a:xfrm>
           <a:prstGeom prst="rect">
             <a:avLst/>
@@ -7471,12 +7525,131 @@
           <a:lstStyle/>
           <a:p>
             <a:r>
+              <a:rPr lang="en-US" dirty="0" smtClean="0"/>
+              <a:t>Positioned at</a:t>
+            </a:r>
+            <a:endParaRPr lang="he-IL" dirty="0"/>
+          </a:p>
+        </p:txBody>
+      </p:sp>
+      <p:sp>
+        <p:nvSpPr>
+          <p:cNvPr id="70" name="TextBox 69"/>
+          <p:cNvSpPr txBox="1"/>
+          <p:nvPr/>
+        </p:nvSpPr>
+        <p:spPr>
+          <a:xfrm>
+            <a:off x="4006284" y="2874855"/>
+            <a:ext cx="1058944" cy="369332"/>
+          </a:xfrm>
+          <a:prstGeom prst="rect">
+            <a:avLst/>
+          </a:prstGeom>
+          <a:noFill/>
+        </p:spPr>
+        <p:txBody>
+          <a:bodyPr wrap="none" rtlCol="1">
+            <a:spAutoFit/>
+          </a:bodyPr>
+          <a:lstStyle/>
+          <a:p>
+            <a:r>
+              <a:rPr lang="en-US" dirty="0" smtClean="0"/>
+              <a:t>Return at</a:t>
+            </a:r>
+            <a:endParaRPr lang="he-IL" dirty="0"/>
+          </a:p>
+        </p:txBody>
+      </p:sp>
+      <p:sp>
+        <p:nvSpPr>
+          <p:cNvPr id="26" name="מלבן 25"/>
+          <p:cNvSpPr/>
+          <p:nvPr/>
+        </p:nvSpPr>
+        <p:spPr>
+          <a:xfrm>
+            <a:off x="7791752" y="4685620"/>
+            <a:ext cx="1620456" cy="659757"/>
+          </a:xfrm>
+          <a:prstGeom prst="rect">
+            <a:avLst/>
+          </a:prstGeom>
+          <a:solidFill>
+            <a:schemeClr val="accent2"/>
+          </a:solidFill>
+        </p:spPr>
+        <p:style>
+          <a:lnRef idx="2">
+            <a:schemeClr val="accent1">
+              <a:shade val="50000"/>
+            </a:schemeClr>
+          </a:lnRef>
+          <a:fillRef idx="1">
+            <a:schemeClr val="accent1"/>
+          </a:fillRef>
+          <a:effectRef idx="0">
+            <a:schemeClr val="accent1"/>
+          </a:effectRef>
+          <a:fontRef idx="minor">
+            <a:schemeClr val="lt1"/>
+          </a:fontRef>
+        </p:style>
+        <p:txBody>
+          <a:bodyPr rtlCol="1" anchor="ctr"/>
+          <a:lstStyle/>
+          <a:p>
+            <a:pPr algn="ctr"/>
+            <a:r>
+              <a:rPr lang="en-US" dirty="0"/>
+              <a:t>6.5-7.5</a:t>
+            </a:r>
+            <a:endParaRPr lang="he-IL" dirty="0"/>
+          </a:p>
+        </p:txBody>
+      </p:sp>
+      <p:sp>
+        <p:nvSpPr>
+          <p:cNvPr id="27" name="TextBox 26"/>
+          <p:cNvSpPr txBox="1"/>
+          <p:nvPr/>
+        </p:nvSpPr>
+        <p:spPr>
+          <a:xfrm>
+            <a:off x="7019676" y="4251592"/>
+            <a:ext cx="4155561" cy="369332"/>
+          </a:xfrm>
+          <a:prstGeom prst="rect">
+            <a:avLst/>
+          </a:prstGeom>
+          <a:noFill/>
+        </p:spPr>
+        <p:txBody>
+          <a:bodyPr wrap="none" rtlCol="1">
+            <a:spAutoFit/>
+          </a:bodyPr>
+          <a:lstStyle/>
+          <a:p>
+            <a:r>
               <a:rPr lang="en-US" dirty="0" err="1" smtClean="0"/>
               <a:t>DisAllowed</a:t>
             </a:r>
             <a:r>
               <a:rPr lang="en-US" dirty="0" smtClean="0"/>
-              <a:t> setup</a:t>
+              <a:t> </a:t>
+            </a:r>
+            <a:r>
+              <a:rPr lang="en-US" dirty="0" smtClean="0"/>
+              <a:t>change </a:t>
+            </a:r>
+            <a:r>
+              <a:rPr lang="en-US" dirty="0" smtClean="0"/>
+              <a:t>R</a:t>
+            </a:r>
+            <a:r>
+              <a:rPr lang="en-US" dirty="0" smtClean="0"/>
+              <a:t>eturn/Abort values to</a:t>
             </a:r>
             <a:endParaRPr lang="he-IL" dirty="0"/>
           </a:p>
@@ -7631,7 +7804,7 @@
             <a:pPr rtl="0"/>
             <a:r>
               <a:rPr lang="en-US" dirty="0" smtClean="0"/>
-              <a:t>Setup screen after auto abort reset</a:t>
+              <a:t>Setup screen after auto abort changed</a:t>
             </a:r>
             <a:endParaRPr lang="he-IL" dirty="0"/>
           </a:p>
@@ -7639,18 +7812,21 @@
       </p:sp>
       <p:sp>
         <p:nvSpPr>
-          <p:cNvPr id="3" name="מלבן 2"/>
+          <p:cNvPr id="8" name="מלבן 7"/>
           <p:cNvSpPr/>
           <p:nvPr/>
         </p:nvSpPr>
         <p:spPr>
           <a:xfrm>
-            <a:off x="1134319" y="2037145"/>
-            <a:ext cx="1539433" cy="555584"/>
-          </a:xfrm>
-          <a:prstGeom prst="rect">
-            <a:avLst/>
-          </a:prstGeom>
+            <a:off x="6824591" y="2166341"/>
+            <a:ext cx="1620456" cy="659757"/>
+          </a:xfrm>
+          <a:prstGeom prst="rect">
+            <a:avLst/>
+          </a:prstGeom>
+          <a:solidFill>
+            <a:schemeClr val="accent2"/>
+          </a:solidFill>
         </p:spPr>
         <p:style>
           <a:lnRef idx="2">
@@ -7675,7 +7851,7 @@
             <a:pPr algn="ctr"/>
             <a:r>
               <a:rPr lang="en-US" dirty="0" smtClean="0"/>
-              <a:t>1,537.75</a:t>
+              <a:t>7</a:t>
             </a:r>
             <a:endParaRPr lang="he-IL" dirty="0"/>
           </a:p>
@@ -7683,14 +7859,14 @@
       </p:sp>
       <p:sp>
         <p:nvSpPr>
-          <p:cNvPr id="4" name="TextBox 3"/>
+          <p:cNvPr id="9" name="TextBox 8"/>
           <p:cNvSpPr txBox="1"/>
           <p:nvPr/>
         </p:nvSpPr>
         <p:spPr>
           <a:xfrm>
-            <a:off x="1444614" y="1667813"/>
-            <a:ext cx="918841" cy="369332"/>
+            <a:off x="7362340" y="1797009"/>
+            <a:ext cx="544957" cy="369332"/>
           </a:xfrm>
           <a:prstGeom prst="rect">
             <a:avLst/>
@@ -7705,7 +7881,7 @@
           <a:p>
             <a:r>
               <a:rPr lang="en-US" dirty="0" smtClean="0"/>
-              <a:t>Balance</a:t>
+              <a:t>Size</a:t>
             </a:r>
             <a:endParaRPr lang="he-IL" dirty="0"/>
           </a:p>
@@ -7713,20 +7889,121 @@
       </p:sp>
       <p:sp>
         <p:nvSpPr>
-          <p:cNvPr id="5" name="אליפסה 4"/>
+          <p:cNvPr id="12" name="TextBox 11"/>
+          <p:cNvSpPr txBox="1"/>
+          <p:nvPr/>
+        </p:nvSpPr>
+        <p:spPr>
+          <a:xfrm>
+            <a:off x="2730755" y="1169089"/>
+            <a:ext cx="587020" cy="369332"/>
+          </a:xfrm>
+          <a:prstGeom prst="rect">
+            <a:avLst/>
+          </a:prstGeom>
+          <a:noFill/>
+        </p:spPr>
+        <p:txBody>
+          <a:bodyPr wrap="none" rtlCol="1">
+            <a:spAutoFit/>
+          </a:bodyPr>
+          <a:lstStyle/>
+          <a:p>
+            <a:r>
+              <a:rPr lang="en-US" dirty="0" smtClean="0"/>
+              <a:t>Ship</a:t>
+            </a:r>
+            <a:endParaRPr lang="he-IL" dirty="0"/>
+          </a:p>
+        </p:txBody>
+      </p:sp>
+      <p:sp>
+        <p:nvSpPr>
+          <p:cNvPr id="13" name="TextBox 12"/>
+          <p:cNvSpPr txBox="1"/>
+          <p:nvPr/>
+        </p:nvSpPr>
+        <p:spPr>
+          <a:xfrm>
+            <a:off x="8643134" y="1169089"/>
+            <a:ext cx="1247906" cy="369332"/>
+          </a:xfrm>
+          <a:prstGeom prst="rect">
+            <a:avLst/>
+          </a:prstGeom>
+          <a:noFill/>
+        </p:spPr>
+        <p:txBody>
+          <a:bodyPr wrap="none" rtlCol="1">
+            <a:spAutoFit/>
+          </a:bodyPr>
+          <a:lstStyle/>
+          <a:p>
+            <a:r>
+              <a:rPr lang="en-US" dirty="0" smtClean="0"/>
+              <a:t>Energy Star</a:t>
+            </a:r>
+            <a:endParaRPr lang="he-IL" dirty="0"/>
+          </a:p>
+        </p:txBody>
+      </p:sp>
+      <p:cxnSp>
+        <p:nvCxnSpPr>
+          <p:cNvPr id="23" name="מחבר מעוקל 22">
+            <a:hlinkClick r:id="rId2" action="ppaction://hlinksldjump"/>
+          </p:cNvPr>
+          <p:cNvCxnSpPr/>
+          <p:nvPr/>
+        </p:nvCxnSpPr>
+        <p:spPr>
+          <a:xfrm>
+            <a:off x="7756892" y="3274670"/>
+            <a:ext cx="1412235" cy="551329"/>
+          </a:xfrm>
+          <a:prstGeom prst="curvedConnector3">
+            <a:avLst>
+              <a:gd name="adj1" fmla="val 40478"/>
+            </a:avLst>
+          </a:prstGeom>
+          <a:ln>
+            <a:headEnd type="triangle"/>
+            <a:tailEnd type="triangle"/>
+          </a:ln>
+        </p:spPr>
+        <p:style>
+          <a:lnRef idx="1">
+            <a:schemeClr val="accent1"/>
+          </a:lnRef>
+          <a:fillRef idx="0">
+            <a:schemeClr val="accent1"/>
+          </a:fillRef>
+          <a:effectRef idx="0">
+            <a:schemeClr val="accent1"/>
+          </a:effectRef>
+          <a:fontRef idx="minor">
+            <a:schemeClr val="tx1"/>
+          </a:fontRef>
+        </p:style>
+      </p:cxnSp>
+      <p:sp>
+        <p:nvSpPr>
+          <p:cNvPr id="30" name="מלבן 29"/>
           <p:cNvSpPr/>
           <p:nvPr/>
         </p:nvSpPr>
         <p:spPr>
           <a:xfrm>
-            <a:off x="1191322" y="4264300"/>
-            <a:ext cx="1932972" cy="902826"/>
-          </a:xfrm>
-          <a:prstGeom prst="ellipse">
+            <a:off x="879676" y="1667813"/>
+            <a:ext cx="4977114" cy="4617240"/>
+          </a:xfrm>
+          <a:prstGeom prst="rect">
             <a:avLst/>
           </a:prstGeom>
           <a:solidFill>
-            <a:schemeClr val="accent6"/>
+            <a:schemeClr val="accent4">
+              <a:lumMod val="40000"/>
+              <a:lumOff val="60000"/>
+            </a:schemeClr>
           </a:solidFill>
         </p:spPr>
         <p:style>
@@ -7750,28 +8027,30 @@
           <a:lstStyle/>
           <a:p>
             <a:pPr algn="ctr"/>
-            <a:r>
-              <a:rPr lang="en-US" dirty="0" smtClean="0"/>
-              <a:t>Abort</a:t>
-            </a:r>
-            <a:endParaRPr lang="he-IL" dirty="0"/>
-          </a:p>
-        </p:txBody>
-      </p:sp>
-      <p:sp>
-        <p:nvSpPr>
-          <p:cNvPr id="6" name="מלבן 5"/>
+            <a:endParaRPr lang="he-IL"/>
+          </a:p>
+        </p:txBody>
+      </p:sp>
+      <p:sp>
+        <p:nvSpPr>
+          <p:cNvPr id="31" name="מלבן 30"/>
           <p:cNvSpPr/>
           <p:nvPr/>
         </p:nvSpPr>
         <p:spPr>
           <a:xfrm>
-            <a:off x="3578797" y="2037145"/>
-            <a:ext cx="1539433" cy="555584"/>
-          </a:xfrm>
-          <a:prstGeom prst="rect">
-            <a:avLst/>
-          </a:prstGeom>
+            <a:off x="912037" y="1657297"/>
+            <a:ext cx="4977114" cy="4617240"/>
+          </a:xfrm>
+          <a:prstGeom prst="rect">
+            <a:avLst/>
+          </a:prstGeom>
+          <a:solidFill>
+            <a:schemeClr val="accent4">
+              <a:lumMod val="40000"/>
+              <a:lumOff val="60000"/>
+            </a:schemeClr>
+          </a:solidFill>
         </p:spPr>
         <p:style>
           <a:lnRef idx="2">
@@ -7794,61 +8073,24 @@
           <a:lstStyle/>
           <a:p>
             <a:pPr algn="ctr"/>
-            <a:r>
-              <a:rPr lang="en-US" dirty="0" smtClean="0"/>
-              <a:t>9.25</a:t>
-            </a:r>
-            <a:endParaRPr lang="he-IL" dirty="0"/>
-          </a:p>
-        </p:txBody>
-      </p:sp>
-      <p:sp>
-        <p:nvSpPr>
-          <p:cNvPr id="7" name="TextBox 6"/>
-          <p:cNvSpPr txBox="1"/>
-          <p:nvPr/>
-        </p:nvSpPr>
-        <p:spPr>
-          <a:xfrm>
-            <a:off x="3668743" y="1657297"/>
-            <a:ext cx="1359539" cy="369332"/>
-          </a:xfrm>
-          <a:prstGeom prst="rect">
-            <a:avLst/>
-          </a:prstGeom>
-          <a:noFill/>
-        </p:spPr>
-        <p:txBody>
-          <a:bodyPr wrap="none" rtlCol="1">
-            <a:spAutoFit/>
-          </a:bodyPr>
-          <a:lstStyle/>
-          <a:p>
-            <a:r>
-              <a:rPr lang="en-US" dirty="0" smtClean="0"/>
-              <a:t>Energy Level</a:t>
-            </a:r>
-            <a:endParaRPr lang="he-IL" dirty="0"/>
-          </a:p>
-        </p:txBody>
-      </p:sp>
-      <p:sp>
-        <p:nvSpPr>
-          <p:cNvPr id="8" name="מלבן 7"/>
+            <a:endParaRPr lang="he-IL"/>
+          </a:p>
+        </p:txBody>
+      </p:sp>
+      <p:sp>
+        <p:nvSpPr>
+          <p:cNvPr id="32" name="מלבן 31"/>
           <p:cNvSpPr/>
           <p:nvPr/>
         </p:nvSpPr>
         <p:spPr>
           <a:xfrm>
-            <a:off x="6824591" y="2166341"/>
-            <a:ext cx="1620456" cy="659757"/>
-          </a:xfrm>
-          <a:prstGeom prst="rect">
-            <a:avLst/>
-          </a:prstGeom>
-          <a:solidFill>
-            <a:schemeClr val="accent2"/>
-          </a:solidFill>
+            <a:off x="1134319" y="2037145"/>
+            <a:ext cx="1539433" cy="555584"/>
+          </a:xfrm>
+          <a:prstGeom prst="rect">
+            <a:avLst/>
+          </a:prstGeom>
         </p:spPr>
         <p:style>
           <a:lnRef idx="2">
@@ -7873,7 +8115,7 @@
             <a:pPr algn="ctr"/>
             <a:r>
               <a:rPr lang="en-US" dirty="0" smtClean="0"/>
-              <a:t>7</a:t>
+              <a:t>1,537.50</a:t>
             </a:r>
             <a:endParaRPr lang="he-IL" dirty="0"/>
           </a:p>
@@ -7881,14 +8123,14 @@
       </p:sp>
       <p:sp>
         <p:nvSpPr>
-          <p:cNvPr id="9" name="TextBox 8"/>
+          <p:cNvPr id="33" name="TextBox 32"/>
           <p:cNvSpPr txBox="1"/>
           <p:nvPr/>
         </p:nvSpPr>
         <p:spPr>
           <a:xfrm>
-            <a:off x="7362340" y="1797009"/>
-            <a:ext cx="544957" cy="369332"/>
+            <a:off x="1444614" y="1667813"/>
+            <a:ext cx="918841" cy="369332"/>
           </a:xfrm>
           <a:prstGeom prst="rect">
             <a:avLst/>
@@ -7903,7 +8145,7 @@
           <a:p>
             <a:r>
               <a:rPr lang="en-US" dirty="0" smtClean="0"/>
-              <a:t>Size</a:t>
+              <a:t>Balance</a:t>
             </a:r>
             <a:endParaRPr lang="he-IL" dirty="0"/>
           </a:p>
@@ -7911,111 +8153,18 @@
       </p:sp>
       <p:sp>
         <p:nvSpPr>
-          <p:cNvPr id="12" name="TextBox 11"/>
-          <p:cNvSpPr txBox="1"/>
-          <p:nvPr/>
-        </p:nvSpPr>
-        <p:spPr>
-          <a:xfrm>
-            <a:off x="2730755" y="1169089"/>
-            <a:ext cx="587020" cy="369332"/>
-          </a:xfrm>
-          <a:prstGeom prst="rect">
-            <a:avLst/>
-          </a:prstGeom>
-          <a:noFill/>
-        </p:spPr>
-        <p:txBody>
-          <a:bodyPr wrap="none" rtlCol="1">
-            <a:spAutoFit/>
-          </a:bodyPr>
-          <a:lstStyle/>
-          <a:p>
-            <a:r>
-              <a:rPr lang="en-US" dirty="0" smtClean="0"/>
-              <a:t>Ship</a:t>
-            </a:r>
-            <a:endParaRPr lang="he-IL" dirty="0"/>
-          </a:p>
-        </p:txBody>
-      </p:sp>
-      <p:sp>
-        <p:nvSpPr>
-          <p:cNvPr id="13" name="TextBox 12"/>
-          <p:cNvSpPr txBox="1"/>
-          <p:nvPr/>
-        </p:nvSpPr>
-        <p:spPr>
-          <a:xfrm>
-            <a:off x="8643134" y="1169089"/>
-            <a:ext cx="1247906" cy="369332"/>
-          </a:xfrm>
-          <a:prstGeom prst="rect">
-            <a:avLst/>
-          </a:prstGeom>
-          <a:noFill/>
-        </p:spPr>
-        <p:txBody>
-          <a:bodyPr wrap="none" rtlCol="1">
-            <a:spAutoFit/>
-          </a:bodyPr>
-          <a:lstStyle/>
-          <a:p>
-            <a:r>
-              <a:rPr lang="en-US" dirty="0" smtClean="0"/>
-              <a:t>Energy Star</a:t>
-            </a:r>
-            <a:endParaRPr lang="he-IL" dirty="0"/>
-          </a:p>
-        </p:txBody>
-      </p:sp>
-      <p:sp>
-        <p:nvSpPr>
-          <p:cNvPr id="15" name="TextBox 14"/>
-          <p:cNvSpPr txBox="1"/>
-          <p:nvPr/>
-        </p:nvSpPr>
-        <p:spPr>
-          <a:xfrm>
-            <a:off x="1387433" y="2826062"/>
-            <a:ext cx="969433" cy="369332"/>
-          </a:xfrm>
-          <a:prstGeom prst="rect">
-            <a:avLst/>
-          </a:prstGeom>
-          <a:noFill/>
-        </p:spPr>
-        <p:txBody>
-          <a:bodyPr wrap="none" rtlCol="1">
-            <a:spAutoFit/>
-          </a:bodyPr>
-          <a:lstStyle/>
-          <a:p>
-            <a:r>
-              <a:rPr lang="en-US" dirty="0" smtClean="0"/>
-              <a:t>Move to</a:t>
-            </a:r>
-            <a:endParaRPr lang="he-IL" dirty="0"/>
-          </a:p>
-        </p:txBody>
-      </p:sp>
-      <p:sp>
-        <p:nvSpPr>
-          <p:cNvPr id="22" name="מלבן 21"/>
+          <p:cNvPr id="34" name="מלבן 33"/>
           <p:cNvSpPr/>
           <p:nvPr/>
         </p:nvSpPr>
         <p:spPr>
           <a:xfrm>
-            <a:off x="1191322" y="3229095"/>
+            <a:off x="3578797" y="2037145"/>
             <a:ext cx="1539433" cy="555584"/>
           </a:xfrm>
           <a:prstGeom prst="rect">
             <a:avLst/>
           </a:prstGeom>
-          <a:solidFill>
-            <a:srgbClr val="FFFF00"/>
-          </a:solidFill>
         </p:spPr>
         <p:style>
           <a:lnRef idx="2">
@@ -8039,55 +8188,23 @@
           <a:p>
             <a:pPr algn="ctr"/>
             <a:r>
-              <a:rPr lang="en-US" b="1" dirty="0">
-                <a:solidFill>
-                  <a:srgbClr val="7030A0"/>
-                </a:solidFill>
-              </a:rPr>
-              <a:t>5</a:t>
-            </a:r>
-            <a:endParaRPr lang="he-IL" b="1" dirty="0">
-              <a:solidFill>
-                <a:srgbClr val="7030A0"/>
-              </a:solidFill>
-            </a:endParaRPr>
-          </a:p>
-        </p:txBody>
-      </p:sp>
-      <p:pic>
-        <p:nvPicPr>
-          <p:cNvPr id="24" name="תמונה 23"/>
-          <p:cNvPicPr>
-            <a:picLocks noChangeAspect="1"/>
-          </p:cNvPicPr>
-          <p:nvPr/>
-        </p:nvPicPr>
-        <p:blipFill>
-          <a:blip r:embed="rId2"/>
-          <a:stretch>
-            <a:fillRect/>
-          </a:stretch>
-        </p:blipFill>
-        <p:spPr>
-          <a:xfrm>
-            <a:off x="2760310" y="3229094"/>
-            <a:ext cx="187047" cy="555585"/>
-          </a:xfrm>
-          <a:prstGeom prst="rect">
-            <a:avLst/>
-          </a:prstGeom>
-        </p:spPr>
-      </p:pic>
-      <p:sp>
-        <p:nvSpPr>
-          <p:cNvPr id="25" name="TextBox 24"/>
+              <a:rPr lang="en-US" dirty="0" smtClean="0"/>
+              <a:t>9.25</a:t>
+            </a:r>
+            <a:endParaRPr lang="he-IL" dirty="0"/>
+          </a:p>
+        </p:txBody>
+      </p:sp>
+      <p:sp>
+        <p:nvSpPr>
+          <p:cNvPr id="35" name="TextBox 34"/>
           <p:cNvSpPr txBox="1"/>
           <p:nvPr/>
         </p:nvSpPr>
         <p:spPr>
           <a:xfrm>
-            <a:off x="3583674" y="2844375"/>
-            <a:ext cx="1461106" cy="369332"/>
+            <a:off x="3668743" y="1657297"/>
+            <a:ext cx="1359539" cy="369332"/>
           </a:xfrm>
           <a:prstGeom prst="rect">
             <a:avLst/>
@@ -8102,7 +8219,7 @@
           <a:p>
             <a:r>
               <a:rPr lang="en-US" dirty="0" smtClean="0"/>
-              <a:t>Auto Abort at</a:t>
+              <a:t>Energy Level</a:t>
             </a:r>
             <a:endParaRPr lang="he-IL" dirty="0"/>
           </a:p>
@@ -8110,20 +8227,20 @@
       </p:sp>
       <p:sp>
         <p:nvSpPr>
-          <p:cNvPr id="26" name="מלבן 25"/>
+          <p:cNvPr id="36" name="אליפסה 35"/>
           <p:cNvSpPr/>
           <p:nvPr/>
         </p:nvSpPr>
         <p:spPr>
           <a:xfrm>
-            <a:off x="3604786" y="3198615"/>
-            <a:ext cx="1539433" cy="555584"/>
-          </a:xfrm>
-          <a:prstGeom prst="rect">
+            <a:off x="3439156" y="5031958"/>
+            <a:ext cx="1932972" cy="902826"/>
+          </a:xfrm>
+          <a:prstGeom prst="ellipse">
             <a:avLst/>
           </a:prstGeom>
           <a:solidFill>
-            <a:srgbClr val="FFFF00"/>
+            <a:schemeClr val="accent6"/>
           </a:solidFill>
         </p:spPr>
         <p:style>
@@ -8148,61 +8265,29 @@
           <a:p>
             <a:pPr algn="ctr"/>
             <a:r>
-              <a:rPr lang="en-US" b="1" dirty="0" smtClean="0">
-                <a:solidFill>
-                  <a:srgbClr val="7030A0"/>
-                </a:solidFill>
-              </a:rPr>
-              <a:t>8</a:t>
-            </a:r>
-            <a:endParaRPr lang="he-IL" b="1" dirty="0">
-              <a:solidFill>
-                <a:srgbClr val="7030A0"/>
-              </a:solidFill>
-            </a:endParaRPr>
-          </a:p>
-        </p:txBody>
-      </p:sp>
-      <p:pic>
-        <p:nvPicPr>
-          <p:cNvPr id="27" name="תמונה 26"/>
-          <p:cNvPicPr>
-            <a:picLocks noChangeAspect="1"/>
-          </p:cNvPicPr>
-          <p:nvPr/>
-        </p:nvPicPr>
-        <p:blipFill>
-          <a:blip r:embed="rId2"/>
-          <a:stretch>
-            <a:fillRect/>
-          </a:stretch>
-        </p:blipFill>
-        <p:spPr>
-          <a:xfrm>
-            <a:off x="5173774" y="3198614"/>
-            <a:ext cx="187047" cy="555585"/>
-          </a:xfrm>
-          <a:prstGeom prst="rect">
-            <a:avLst/>
-          </a:prstGeom>
-        </p:spPr>
-      </p:pic>
-      <p:sp>
-        <p:nvSpPr>
-          <p:cNvPr id="28" name="מלבן 27"/>
+              <a:rPr lang="en-US" dirty="0" smtClean="0"/>
+              <a:t>Abort</a:t>
+            </a:r>
+            <a:endParaRPr lang="he-IL" dirty="0"/>
+          </a:p>
+        </p:txBody>
+      </p:sp>
+      <p:sp>
+        <p:nvSpPr>
+          <p:cNvPr id="37" name="מלבן 36"/>
           <p:cNvSpPr/>
           <p:nvPr/>
         </p:nvSpPr>
         <p:spPr>
           <a:xfrm>
-            <a:off x="8885935" y="2166341"/>
-            <a:ext cx="1620456" cy="659757"/>
+            <a:off x="3625234" y="3229095"/>
+            <a:ext cx="1539433" cy="555584"/>
           </a:xfrm>
           <a:prstGeom prst="rect">
             <a:avLst/>
           </a:prstGeom>
           <a:solidFill>
-            <a:schemeClr val="accent2"/>
+            <a:srgbClr val="FFFF00"/>
           </a:solidFill>
         </p:spPr>
         <p:style>
@@ -8227,23 +8312,55 @@
           <a:p>
             <a:pPr algn="ctr"/>
             <a:r>
-              <a:rPr lang="en-US" dirty="0" smtClean="0"/>
-              <a:t>6.0-7.0</a:t>
-            </a:r>
-            <a:endParaRPr lang="he-IL" dirty="0"/>
-          </a:p>
-        </p:txBody>
-      </p:sp>
-      <p:sp>
-        <p:nvSpPr>
-          <p:cNvPr id="29" name="TextBox 28"/>
+              <a:rPr lang="en-US" b="1" dirty="0">
+                <a:solidFill>
+                  <a:srgbClr val="7030A0"/>
+                </a:solidFill>
+              </a:rPr>
+              <a:t>5</a:t>
+            </a:r>
+            <a:endParaRPr lang="he-IL" b="1" dirty="0">
+              <a:solidFill>
+                <a:srgbClr val="7030A0"/>
+              </a:solidFill>
+            </a:endParaRPr>
+          </a:p>
+        </p:txBody>
+      </p:sp>
+      <p:pic>
+        <p:nvPicPr>
+          <p:cNvPr id="38" name="תמונה 37"/>
+          <p:cNvPicPr>
+            <a:picLocks noChangeAspect="1"/>
+          </p:cNvPicPr>
+          <p:nvPr/>
+        </p:nvPicPr>
+        <p:blipFill>
+          <a:blip r:embed="rId3"/>
+          <a:stretch>
+            <a:fillRect/>
+          </a:stretch>
+        </p:blipFill>
+        <p:spPr>
+          <a:xfrm>
+            <a:off x="5194222" y="3229094"/>
+            <a:ext cx="187047" cy="555585"/>
+          </a:xfrm>
+          <a:prstGeom prst="rect">
+            <a:avLst/>
+          </a:prstGeom>
+        </p:spPr>
+      </p:pic>
+      <p:sp>
+        <p:nvSpPr>
+          <p:cNvPr id="39" name="TextBox 38"/>
           <p:cNvSpPr txBox="1"/>
           <p:nvPr/>
         </p:nvSpPr>
         <p:spPr>
           <a:xfrm>
-            <a:off x="8736310" y="1797009"/>
-            <a:ext cx="1860446" cy="369332"/>
+            <a:off x="3742061" y="3825999"/>
+            <a:ext cx="1461106" cy="369332"/>
           </a:xfrm>
           <a:prstGeom prst="rect">
             <a:avLst/>
@@ -8257,55 +8374,302 @@
           <a:lstStyle/>
           <a:p>
             <a:r>
+              <a:rPr lang="en-US" dirty="0" smtClean="0"/>
+              <a:t>Auto Abort at</a:t>
+            </a:r>
+            <a:endParaRPr lang="he-IL" dirty="0"/>
+          </a:p>
+        </p:txBody>
+      </p:sp>
+      <p:sp>
+        <p:nvSpPr>
+          <p:cNvPr id="40" name="מלבן 39"/>
+          <p:cNvSpPr/>
+          <p:nvPr/>
+        </p:nvSpPr>
+        <p:spPr>
+          <a:xfrm>
+            <a:off x="3604786" y="4287822"/>
+            <a:ext cx="1539433" cy="555584"/>
+          </a:xfrm>
+          <a:prstGeom prst="rect">
+            <a:avLst/>
+          </a:prstGeom>
+          <a:solidFill>
+            <a:srgbClr val="FFFF00"/>
+          </a:solidFill>
+        </p:spPr>
+        <p:style>
+          <a:lnRef idx="2">
+            <a:schemeClr val="accent1">
+              <a:shade val="50000"/>
+            </a:schemeClr>
+          </a:lnRef>
+          <a:fillRef idx="1">
+            <a:schemeClr val="accent1"/>
+          </a:fillRef>
+          <a:effectRef idx="0">
+            <a:schemeClr val="accent1"/>
+          </a:effectRef>
+          <a:fontRef idx="minor">
+            <a:schemeClr val="lt1"/>
+          </a:fontRef>
+        </p:style>
+        <p:txBody>
+          <a:bodyPr rtlCol="1" anchor="ctr"/>
+          <a:lstStyle/>
+          <a:p>
+            <a:pPr algn="ctr"/>
+            <a:r>
+              <a:rPr lang="en-US" b="1" dirty="0" smtClean="0">
+                <a:solidFill>
+                  <a:srgbClr val="7030A0"/>
+                </a:solidFill>
+              </a:rPr>
+              <a:t>8</a:t>
+            </a:r>
+            <a:endParaRPr lang="he-IL" b="1" dirty="0">
+              <a:solidFill>
+                <a:srgbClr val="7030A0"/>
+              </a:solidFill>
+            </a:endParaRPr>
+          </a:p>
+        </p:txBody>
+      </p:sp>
+      <p:pic>
+        <p:nvPicPr>
+          <p:cNvPr id="41" name="תמונה 40"/>
+          <p:cNvPicPr>
+            <a:picLocks noChangeAspect="1"/>
+          </p:cNvPicPr>
+          <p:nvPr/>
+        </p:nvPicPr>
+        <p:blipFill>
+          <a:blip r:embed="rId3"/>
+          <a:stretch>
+            <a:fillRect/>
+          </a:stretch>
+        </p:blipFill>
+        <p:spPr>
+          <a:xfrm>
+            <a:off x="5173774" y="4287821"/>
+            <a:ext cx="187047" cy="555585"/>
+          </a:xfrm>
+          <a:prstGeom prst="rect">
+            <a:avLst/>
+          </a:prstGeom>
+        </p:spPr>
+      </p:pic>
+      <p:sp>
+        <p:nvSpPr>
+          <p:cNvPr id="42" name="מלבן 41"/>
+          <p:cNvSpPr/>
+          <p:nvPr/>
+        </p:nvSpPr>
+        <p:spPr>
+          <a:xfrm>
+            <a:off x="1147198" y="3205781"/>
+            <a:ext cx="1539433" cy="555584"/>
+          </a:xfrm>
+          <a:prstGeom prst="rect">
+            <a:avLst/>
+          </a:prstGeom>
+          <a:solidFill>
+            <a:schemeClr val="bg1">
+              <a:lumMod val="85000"/>
+            </a:schemeClr>
+          </a:solidFill>
+        </p:spPr>
+        <p:style>
+          <a:lnRef idx="2">
+            <a:schemeClr val="accent1">
+              <a:shade val="50000"/>
+            </a:schemeClr>
+          </a:lnRef>
+          <a:fillRef idx="1">
+            <a:schemeClr val="accent1"/>
+          </a:fillRef>
+          <a:effectRef idx="0">
+            <a:schemeClr val="accent1"/>
+          </a:effectRef>
+          <a:fontRef idx="minor">
+            <a:schemeClr val="lt1"/>
+          </a:fontRef>
+        </p:style>
+        <p:txBody>
+          <a:bodyPr rtlCol="1" anchor="ctr"/>
+          <a:lstStyle/>
+          <a:p>
+            <a:pPr algn="ctr"/>
+            <a:r>
+              <a:rPr lang="en-US" b="1" dirty="0" smtClean="0">
+                <a:solidFill>
+                  <a:srgbClr val="7030A0"/>
+                </a:solidFill>
+              </a:rPr>
+              <a:t>6</a:t>
+            </a:r>
+            <a:endParaRPr lang="he-IL" b="1" dirty="0">
+              <a:solidFill>
+                <a:srgbClr val="7030A0"/>
+              </a:solidFill>
+            </a:endParaRPr>
+          </a:p>
+        </p:txBody>
+      </p:sp>
+      <p:sp>
+        <p:nvSpPr>
+          <p:cNvPr id="43" name="TextBox 42"/>
+          <p:cNvSpPr txBox="1"/>
+          <p:nvPr/>
+        </p:nvSpPr>
+        <p:spPr>
+          <a:xfrm>
+            <a:off x="1228089" y="2808593"/>
+            <a:ext cx="1412246" cy="369332"/>
+          </a:xfrm>
+          <a:prstGeom prst="rect">
+            <a:avLst/>
+          </a:prstGeom>
+          <a:noFill/>
+        </p:spPr>
+        <p:txBody>
+          <a:bodyPr wrap="none" rtlCol="1">
+            <a:spAutoFit/>
+          </a:bodyPr>
+          <a:lstStyle/>
+          <a:p>
+            <a:r>
+              <a:rPr lang="en-US" dirty="0" smtClean="0"/>
+              <a:t>Positioned at</a:t>
+            </a:r>
+            <a:endParaRPr lang="he-IL" dirty="0"/>
+          </a:p>
+        </p:txBody>
+      </p:sp>
+      <p:sp>
+        <p:nvSpPr>
+          <p:cNvPr id="44" name="TextBox 43"/>
+          <p:cNvSpPr txBox="1"/>
+          <p:nvPr/>
+        </p:nvSpPr>
+        <p:spPr>
+          <a:xfrm>
+            <a:off x="4006284" y="2874855"/>
+            <a:ext cx="1058944" cy="369332"/>
+          </a:xfrm>
+          <a:prstGeom prst="rect">
+            <a:avLst/>
+          </a:prstGeom>
+          <a:noFill/>
+        </p:spPr>
+        <p:txBody>
+          <a:bodyPr wrap="none" rtlCol="1">
+            <a:spAutoFit/>
+          </a:bodyPr>
+          <a:lstStyle/>
+          <a:p>
+            <a:r>
+              <a:rPr lang="en-US" dirty="0" smtClean="0"/>
+              <a:t>Return at</a:t>
+            </a:r>
+            <a:endParaRPr lang="he-IL" dirty="0"/>
+          </a:p>
+        </p:txBody>
+      </p:sp>
+      <p:sp>
+        <p:nvSpPr>
+          <p:cNvPr id="45" name="מלבן 44"/>
+          <p:cNvSpPr/>
+          <p:nvPr/>
+        </p:nvSpPr>
+        <p:spPr>
+          <a:xfrm>
+            <a:off x="7791752" y="4685620"/>
+            <a:ext cx="1620456" cy="659757"/>
+          </a:xfrm>
+          <a:prstGeom prst="rect">
+            <a:avLst/>
+          </a:prstGeom>
+          <a:solidFill>
+            <a:schemeClr val="accent2"/>
+          </a:solidFill>
+        </p:spPr>
+        <p:style>
+          <a:lnRef idx="2">
+            <a:schemeClr val="accent1">
+              <a:shade val="50000"/>
+            </a:schemeClr>
+          </a:lnRef>
+          <a:fillRef idx="1">
+            <a:schemeClr val="accent1"/>
+          </a:fillRef>
+          <a:effectRef idx="0">
+            <a:schemeClr val="accent1"/>
+          </a:effectRef>
+          <a:fontRef idx="minor">
+            <a:schemeClr val="lt1"/>
+          </a:fontRef>
+        </p:style>
+        <p:txBody>
+          <a:bodyPr rtlCol="1" anchor="ctr"/>
+          <a:lstStyle/>
+          <a:p>
+            <a:pPr algn="ctr"/>
+            <a:r>
+              <a:rPr lang="en-US" dirty="0"/>
+              <a:t>6.5-7.5</a:t>
+            </a:r>
+            <a:endParaRPr lang="he-IL" dirty="0"/>
+          </a:p>
+        </p:txBody>
+      </p:sp>
+      <p:sp>
+        <p:nvSpPr>
+          <p:cNvPr id="46" name="TextBox 45"/>
+          <p:cNvSpPr txBox="1"/>
+          <p:nvPr/>
+        </p:nvSpPr>
+        <p:spPr>
+          <a:xfrm>
+            <a:off x="7019676" y="4251592"/>
+            <a:ext cx="4155561" cy="369332"/>
+          </a:xfrm>
+          <a:prstGeom prst="rect">
+            <a:avLst/>
+          </a:prstGeom>
+          <a:noFill/>
+        </p:spPr>
+        <p:txBody>
+          <a:bodyPr wrap="none" rtlCol="1">
+            <a:spAutoFit/>
+          </a:bodyPr>
+          <a:lstStyle/>
+          <a:p>
+            <a:r>
               <a:rPr lang="en-US" dirty="0" err="1" smtClean="0"/>
               <a:t>DisAllowed</a:t>
             </a:r>
             <a:r>
               <a:rPr lang="en-US" dirty="0" smtClean="0"/>
-              <a:t> setup</a:t>
+              <a:t> </a:t>
+            </a:r>
+            <a:r>
+              <a:rPr lang="en-US" dirty="0" smtClean="0"/>
+              <a:t>change </a:t>
+            </a:r>
+            <a:r>
+              <a:rPr lang="en-US" dirty="0" smtClean="0"/>
+              <a:t>R</a:t>
+            </a:r>
+            <a:r>
+              <a:rPr lang="en-US" dirty="0" smtClean="0"/>
+              <a:t>eturn/Abort values to</a:t>
             </a:r>
             <a:endParaRPr lang="he-IL" dirty="0"/>
           </a:p>
         </p:txBody>
       </p:sp>
-      <p:cxnSp>
-        <p:nvCxnSpPr>
-          <p:cNvPr id="23" name="מחבר מעוקל 22">
-            <a:hlinkClick r:id="rId3" action="ppaction://hlinksldjump"/>
-          </p:cNvPr>
-          <p:cNvCxnSpPr/>
-          <p:nvPr/>
-        </p:nvCxnSpPr>
-        <p:spPr>
-          <a:xfrm>
-            <a:off x="7738929" y="3634089"/>
-            <a:ext cx="1412235" cy="551329"/>
-          </a:xfrm>
-          <a:prstGeom prst="curvedConnector3">
-            <a:avLst>
-              <a:gd name="adj1" fmla="val 40478"/>
-            </a:avLst>
-          </a:prstGeom>
-          <a:ln>
-            <a:headEnd type="triangle"/>
-            <a:tailEnd type="triangle"/>
-          </a:ln>
-        </p:spPr>
-        <p:style>
-          <a:lnRef idx="1">
-            <a:schemeClr val="accent1"/>
-          </a:lnRef>
-          <a:fillRef idx="0">
-            <a:schemeClr val="accent1"/>
-          </a:fillRef>
-          <a:effectRef idx="0">
-            <a:schemeClr val="accent1"/>
-          </a:effectRef>
-          <a:fontRef idx="minor">
-            <a:schemeClr val="tx1"/>
-          </a:fontRef>
-        </p:style>
-      </p:cxnSp>
     </p:spTree>
     <p:extLst>
       <p:ext uri="{BB962C8B-B14F-4D97-AF65-F5344CB8AC3E}">
@@ -8452,7 +8816,7 @@
             <a:pPr algn="ctr"/>
             <a:r>
               <a:rPr lang="en-US" dirty="0" smtClean="0"/>
-              <a:t>1,546.0</a:t>
+              <a:t>1,545.50</a:t>
             </a:r>
             <a:endParaRPr lang="he-IL" dirty="0"/>
           </a:p>
@@ -8789,87 +9153,6 @@
             <a:r>
               <a:rPr lang="en-US" dirty="0" smtClean="0"/>
               <a:t>Energy Star</a:t>
-            </a:r>
-            <a:endParaRPr lang="he-IL" dirty="0"/>
-          </a:p>
-        </p:txBody>
-      </p:sp>
-      <p:sp>
-        <p:nvSpPr>
-          <p:cNvPr id="17" name="מלבן 16"/>
-          <p:cNvSpPr/>
-          <p:nvPr/>
-        </p:nvSpPr>
-        <p:spPr>
-          <a:xfrm>
-            <a:off x="8719685" y="2166341"/>
-            <a:ext cx="1620456" cy="659757"/>
-          </a:xfrm>
-          <a:prstGeom prst="rect">
-            <a:avLst/>
-          </a:prstGeom>
-          <a:solidFill>
-            <a:schemeClr val="accent2"/>
-          </a:solidFill>
-        </p:spPr>
-        <p:style>
-          <a:lnRef idx="2">
-            <a:schemeClr val="accent1">
-              <a:shade val="50000"/>
-            </a:schemeClr>
-          </a:lnRef>
-          <a:fillRef idx="1">
-            <a:schemeClr val="accent1"/>
-          </a:fillRef>
-          <a:effectRef idx="0">
-            <a:schemeClr val="accent1"/>
-          </a:effectRef>
-          <a:fontRef idx="minor">
-            <a:schemeClr val="lt1"/>
-          </a:fontRef>
-        </p:style>
-        <p:txBody>
-          <a:bodyPr rtlCol="1" anchor="ctr"/>
-          <a:lstStyle/>
-          <a:p>
-            <a:pPr algn="ctr"/>
-            <a:r>
-              <a:rPr lang="en-US" dirty="0" smtClean="0"/>
-              <a:t>4.7-5.7</a:t>
-            </a:r>
-            <a:endParaRPr lang="he-IL" dirty="0"/>
-          </a:p>
-        </p:txBody>
-      </p:sp>
-      <p:sp>
-        <p:nvSpPr>
-          <p:cNvPr id="18" name="TextBox 17"/>
-          <p:cNvSpPr txBox="1"/>
-          <p:nvPr/>
-        </p:nvSpPr>
-        <p:spPr>
-          <a:xfrm>
-            <a:off x="8719685" y="1797009"/>
-            <a:ext cx="1860446" cy="369332"/>
-          </a:xfrm>
-          <a:prstGeom prst="rect">
-            <a:avLst/>
-          </a:prstGeom>
-          <a:noFill/>
-        </p:spPr>
-        <p:txBody>
-          <a:bodyPr wrap="none" rtlCol="1">
-            <a:spAutoFit/>
-          </a:bodyPr>
-          <a:lstStyle/>
-          <a:p>
-            <a:r>
-              <a:rPr lang="en-US" dirty="0" err="1" smtClean="0"/>
-              <a:t>DisAllowed</a:t>
-            </a:r>
-            <a:r>
-              <a:rPr lang="en-US" dirty="0" smtClean="0"/>
-              <a:t> setup</a:t>
             </a:r>
             <a:endParaRPr lang="he-IL" dirty="0"/>
           </a:p>

--- a/Documents/DTL MOC.pptx
+++ b/Documents/DTL MOC.pptx
@@ -210,7 +210,7 @@
           <a:p>
             <a:fld id="{844F8294-0CB7-4F5A-A19B-EF681AF2B73B}" type="datetimeFigureOut">
               <a:rPr lang="he-IL" smtClean="0"/>
-              <a:t>ד'/אדר/תשפ"א</a:t>
+              <a:t>ה'/אדר/תשפ"א</a:t>
             </a:fld>
             <a:endParaRPr lang="he-IL"/>
           </a:p>
@@ -375,7 +375,7 @@
           <a:p>
             <a:fld id="{C6909ED8-2077-43C9-8C45-8FC404E5D48F}" type="datetimeFigureOut">
               <a:rPr lang="he-IL" smtClean="0"/>
-              <a:t>ד'/אדר/תשפ"א</a:t>
+              <a:t>ה'/אדר/תשפ"א</a:t>
             </a:fld>
             <a:endParaRPr lang="he-IL"/>
           </a:p>
@@ -1019,7 +1019,7 @@
           <a:p>
             <a:fld id="{A95A8BCF-3E09-43CE-BC06-F855C24C19A1}" type="datetimeFigureOut">
               <a:rPr lang="he-IL" smtClean="0"/>
-              <a:t>ד'/אדר/תשפ"א</a:t>
+              <a:t>ה'/אדר/תשפ"א</a:t>
             </a:fld>
             <a:endParaRPr lang="he-IL"/>
           </a:p>
@@ -1199,7 +1199,7 @@
           <a:p>
             <a:fld id="{A95A8BCF-3E09-43CE-BC06-F855C24C19A1}" type="datetimeFigureOut">
               <a:rPr lang="he-IL" smtClean="0"/>
-              <a:t>ד'/אדר/תשפ"א</a:t>
+              <a:t>ה'/אדר/תשפ"א</a:t>
             </a:fld>
             <a:endParaRPr lang="he-IL"/>
           </a:p>
@@ -1369,7 +1369,7 @@
           <a:p>
             <a:fld id="{A95A8BCF-3E09-43CE-BC06-F855C24C19A1}" type="datetimeFigureOut">
               <a:rPr lang="he-IL" smtClean="0"/>
-              <a:t>ד'/אדר/תשפ"א</a:t>
+              <a:t>ה'/אדר/תשפ"א</a:t>
             </a:fld>
             <a:endParaRPr lang="he-IL"/>
           </a:p>
@@ -1615,7 +1615,7 @@
           <a:p>
             <a:fld id="{A95A8BCF-3E09-43CE-BC06-F855C24C19A1}" type="datetimeFigureOut">
               <a:rPr lang="he-IL" smtClean="0"/>
-              <a:t>ד'/אדר/תשפ"א</a:t>
+              <a:t>ה'/אדר/תשפ"א</a:t>
             </a:fld>
             <a:endParaRPr lang="he-IL"/>
           </a:p>
@@ -1847,7 +1847,7 @@
           <a:p>
             <a:fld id="{A95A8BCF-3E09-43CE-BC06-F855C24C19A1}" type="datetimeFigureOut">
               <a:rPr lang="he-IL" smtClean="0"/>
-              <a:t>ד'/אדר/תשפ"א</a:t>
+              <a:t>ה'/אדר/תשפ"א</a:t>
             </a:fld>
             <a:endParaRPr lang="he-IL"/>
           </a:p>
@@ -2214,7 +2214,7 @@
           <a:p>
             <a:fld id="{A95A8BCF-3E09-43CE-BC06-F855C24C19A1}" type="datetimeFigureOut">
               <a:rPr lang="he-IL" smtClean="0"/>
-              <a:t>ד'/אדר/תשפ"א</a:t>
+              <a:t>ה'/אדר/תשפ"א</a:t>
             </a:fld>
             <a:endParaRPr lang="he-IL"/>
           </a:p>
@@ -2332,7 +2332,7 @@
           <a:p>
             <a:fld id="{A95A8BCF-3E09-43CE-BC06-F855C24C19A1}" type="datetimeFigureOut">
               <a:rPr lang="he-IL" smtClean="0"/>
-              <a:t>ד'/אדר/תשפ"א</a:t>
+              <a:t>ה'/אדר/תשפ"א</a:t>
             </a:fld>
             <a:endParaRPr lang="he-IL"/>
           </a:p>
@@ -2427,7 +2427,7 @@
           <a:p>
             <a:fld id="{A95A8BCF-3E09-43CE-BC06-F855C24C19A1}" type="datetimeFigureOut">
               <a:rPr lang="he-IL" smtClean="0"/>
-              <a:t>ד'/אדר/תשפ"א</a:t>
+              <a:t>ה'/אדר/תשפ"א</a:t>
             </a:fld>
             <a:endParaRPr lang="he-IL"/>
           </a:p>
@@ -2704,7 +2704,7 @@
           <a:p>
             <a:fld id="{A95A8BCF-3E09-43CE-BC06-F855C24C19A1}" type="datetimeFigureOut">
               <a:rPr lang="he-IL" smtClean="0"/>
-              <a:t>ד'/אדר/תשפ"א</a:t>
+              <a:t>ה'/אדר/תשפ"א</a:t>
             </a:fld>
             <a:endParaRPr lang="he-IL"/>
           </a:p>
@@ -2957,7 +2957,7 @@
           <a:p>
             <a:fld id="{A95A8BCF-3E09-43CE-BC06-F855C24C19A1}" type="datetimeFigureOut">
               <a:rPr lang="he-IL" smtClean="0"/>
-              <a:t>ד'/אדר/תשפ"א</a:t>
+              <a:t>ה'/אדר/תשפ"א</a:t>
             </a:fld>
             <a:endParaRPr lang="he-IL"/>
           </a:p>
@@ -3170,7 +3170,7 @@
           <a:p>
             <a:fld id="{A95A8BCF-3E09-43CE-BC06-F855C24C19A1}" type="datetimeFigureOut">
               <a:rPr lang="he-IL" smtClean="0"/>
-              <a:t>ד'/אדר/תשפ"א</a:t>
+              <a:t>ה'/אדר/תשפ"א</a:t>
             </a:fld>
             <a:endParaRPr lang="he-IL"/>
           </a:p>
@@ -4558,7 +4558,7 @@
         </p:nvSpPr>
         <p:spPr>
           <a:xfrm>
-            <a:off x="2255578" y="3421378"/>
+            <a:off x="2983060" y="4491057"/>
             <a:ext cx="1932972" cy="902826"/>
           </a:xfrm>
           <a:prstGeom prst="ellipse">
@@ -4890,11 +4890,81 @@
             </a:r>
             <a:r>
               <a:rPr lang="en-US" dirty="0" smtClean="0"/>
-              <a:t> </a:t>
-            </a:r>
+              <a:t> position event when size</a:t>
+            </a:r>
+            <a:endParaRPr lang="he-IL" dirty="0"/>
+          </a:p>
+        </p:txBody>
+      </p:sp>
+      <p:sp>
+        <p:nvSpPr>
+          <p:cNvPr id="18" name="TextBox 17"/>
+          <p:cNvSpPr txBox="1"/>
+          <p:nvPr/>
+        </p:nvSpPr>
+        <p:spPr>
+          <a:xfrm>
+            <a:off x="1319387" y="4346294"/>
+            <a:ext cx="1044068" cy="369332"/>
+          </a:xfrm>
+          <a:prstGeom prst="rect">
+            <a:avLst/>
+          </a:prstGeom>
+          <a:noFill/>
+        </p:spPr>
+        <p:txBody>
+          <a:bodyPr wrap="none" rtlCol="1">
+            <a:spAutoFit/>
+          </a:bodyPr>
+          <a:lstStyle/>
+          <a:p>
             <a:r>
               <a:rPr lang="en-US" dirty="0" smtClean="0"/>
-              <a:t>position event when size</a:t>
+              <a:t>Direction</a:t>
+            </a:r>
+            <a:endParaRPr lang="he-IL" dirty="0"/>
+          </a:p>
+        </p:txBody>
+      </p:sp>
+      <p:sp>
+        <p:nvSpPr>
+          <p:cNvPr id="19" name="מלבן 18"/>
+          <p:cNvSpPr/>
+          <p:nvPr/>
+        </p:nvSpPr>
+        <p:spPr>
+          <a:xfrm>
+            <a:off x="1003916" y="4743163"/>
+            <a:ext cx="1539433" cy="555584"/>
+          </a:xfrm>
+          <a:prstGeom prst="rect">
+            <a:avLst/>
+          </a:prstGeom>
+        </p:spPr>
+        <p:style>
+          <a:lnRef idx="2">
+            <a:schemeClr val="accent1">
+              <a:shade val="50000"/>
+            </a:schemeClr>
+          </a:lnRef>
+          <a:fillRef idx="1">
+            <a:schemeClr val="accent1"/>
+          </a:fillRef>
+          <a:effectRef idx="0">
+            <a:schemeClr val="accent1"/>
+          </a:effectRef>
+          <a:fontRef idx="minor">
+            <a:schemeClr val="lt1"/>
+          </a:fontRef>
+        </p:style>
+        <p:txBody>
+          <a:bodyPr rtlCol="1" anchor="ctr"/>
+          <a:lstStyle/>
+          <a:p>
+            <a:pPr algn="ctr"/>
+            <a:r>
+              <a:rPr lang="en-US" dirty="0" smtClean="0"/>
+              <a:t>Out/In</a:t>
             </a:r>
             <a:endParaRPr lang="he-IL" dirty="0"/>
           </a:p>
@@ -5049,11 +5119,7 @@
             <a:pPr rtl="0"/>
             <a:r>
               <a:rPr lang="en-US" dirty="0" smtClean="0"/>
-              <a:t>Setup screen after </a:t>
-            </a:r>
-            <a:r>
-              <a:rPr lang="en-US" dirty="0" smtClean="0"/>
-              <a:t>position click</a:t>
+              <a:t>Setup screen after position click</a:t>
             </a:r>
             <a:endParaRPr lang="he-IL" dirty="0"/>
           </a:p>
@@ -5436,11 +5502,7 @@
           <a:p>
             <a:r>
               <a:rPr lang="en-US" dirty="0" smtClean="0"/>
-              <a:t>Abort </a:t>
-            </a:r>
-            <a:r>
-              <a:rPr lang="en-US" dirty="0" smtClean="0"/>
-              <a:t>at</a:t>
+              <a:t>Abort at</a:t>
             </a:r>
             <a:endParaRPr lang="he-IL" dirty="0"/>
           </a:p>
@@ -5600,19 +5662,7 @@
             </a:r>
             <a:r>
               <a:rPr lang="en-US" dirty="0" smtClean="0"/>
-              <a:t> </a:t>
-            </a:r>
-            <a:r>
-              <a:rPr lang="en-US" dirty="0" smtClean="0"/>
-              <a:t>change </a:t>
-            </a:r>
-            <a:r>
-              <a:rPr lang="en-US" dirty="0" smtClean="0"/>
-              <a:t>R</a:t>
-            </a:r>
-            <a:r>
-              <a:rPr lang="en-US" dirty="0" smtClean="0"/>
-              <a:t>eturn/Abort values to</a:t>
+              <a:t> change Return/Abort values to</a:t>
             </a:r>
             <a:endParaRPr lang="he-IL" dirty="0"/>
           </a:p>
@@ -5828,6 +5878,93 @@
               <a:t>Positioned at</a:t>
             </a:r>
             <a:endParaRPr lang="he-IL" dirty="0"/>
+          </a:p>
+        </p:txBody>
+      </p:sp>
+      <p:sp>
+        <p:nvSpPr>
+          <p:cNvPr id="33" name="TextBox 32"/>
+          <p:cNvSpPr txBox="1"/>
+          <p:nvPr/>
+        </p:nvSpPr>
+        <p:spPr>
+          <a:xfrm>
+            <a:off x="1449790" y="4005085"/>
+            <a:ext cx="1044068" cy="369332"/>
+          </a:xfrm>
+          <a:prstGeom prst="rect">
+            <a:avLst/>
+          </a:prstGeom>
+          <a:noFill/>
+        </p:spPr>
+        <p:txBody>
+          <a:bodyPr wrap="none" rtlCol="1">
+            <a:spAutoFit/>
+          </a:bodyPr>
+          <a:lstStyle/>
+          <a:p>
+            <a:r>
+              <a:rPr lang="en-US" dirty="0" smtClean="0"/>
+              <a:t>Direction</a:t>
+            </a:r>
+            <a:endParaRPr lang="he-IL" dirty="0"/>
+          </a:p>
+        </p:txBody>
+      </p:sp>
+      <p:sp>
+        <p:nvSpPr>
+          <p:cNvPr id="35" name="מלבן 34"/>
+          <p:cNvSpPr/>
+          <p:nvPr/>
+        </p:nvSpPr>
+        <p:spPr>
+          <a:xfrm>
+            <a:off x="1134319" y="4401954"/>
+            <a:ext cx="1539433" cy="555584"/>
+          </a:xfrm>
+          <a:prstGeom prst="rect">
+            <a:avLst/>
+          </a:prstGeom>
+          <a:solidFill>
+            <a:schemeClr val="bg1">
+              <a:lumMod val="85000"/>
+            </a:schemeClr>
+          </a:solidFill>
+        </p:spPr>
+        <p:style>
+          <a:lnRef idx="2">
+            <a:schemeClr val="accent1">
+              <a:shade val="50000"/>
+            </a:schemeClr>
+          </a:lnRef>
+          <a:fillRef idx="1">
+            <a:schemeClr val="accent1"/>
+          </a:fillRef>
+          <a:effectRef idx="0">
+            <a:schemeClr val="accent1"/>
+          </a:effectRef>
+          <a:fontRef idx="minor">
+            <a:schemeClr val="lt1"/>
+          </a:fontRef>
+        </p:style>
+        <p:txBody>
+          <a:bodyPr rtlCol="1" anchor="ctr"/>
+          <a:lstStyle/>
+          <a:p>
+            <a:pPr algn="ctr"/>
+            <a:r>
+              <a:rPr lang="en-US" dirty="0" smtClean="0">
+                <a:solidFill>
+                  <a:schemeClr val="tx1"/>
+                </a:solidFill>
+              </a:rPr>
+              <a:t>Out/In</a:t>
+            </a:r>
+            <a:endParaRPr lang="he-IL" dirty="0">
+              <a:solidFill>
+                <a:schemeClr val="tx1"/>
+              </a:solidFill>
+            </a:endParaRPr>
           </a:p>
         </p:txBody>
       </p:sp>
@@ -6421,11 +6558,7 @@
           <a:p>
             <a:r>
               <a:rPr lang="en-US" dirty="0" smtClean="0"/>
-              <a:t>Abort </a:t>
-            </a:r>
-            <a:r>
-              <a:rPr lang="en-US" dirty="0" smtClean="0"/>
-              <a:t>at</a:t>
+              <a:t>Abort at</a:t>
             </a:r>
             <a:endParaRPr lang="he-IL" dirty="0"/>
           </a:p>
@@ -6702,21 +6835,96 @@
             </a:r>
             <a:r>
               <a:rPr lang="en-US" dirty="0" smtClean="0"/>
-              <a:t> </a:t>
-            </a:r>
+              <a:t> change Return/Abort values to</a:t>
+            </a:r>
+            <a:endParaRPr lang="he-IL" dirty="0"/>
+          </a:p>
+        </p:txBody>
+      </p:sp>
+      <p:sp>
+        <p:nvSpPr>
+          <p:cNvPr id="26" name="TextBox 25"/>
+          <p:cNvSpPr txBox="1"/>
+          <p:nvPr/>
+        </p:nvSpPr>
+        <p:spPr>
+          <a:xfrm>
+            <a:off x="1449790" y="4005085"/>
+            <a:ext cx="1044068" cy="369332"/>
+          </a:xfrm>
+          <a:prstGeom prst="rect">
+            <a:avLst/>
+          </a:prstGeom>
+          <a:noFill/>
+        </p:spPr>
+        <p:txBody>
+          <a:bodyPr wrap="none" rtlCol="1">
+            <a:spAutoFit/>
+          </a:bodyPr>
+          <a:lstStyle/>
+          <a:p>
             <a:r>
               <a:rPr lang="en-US" dirty="0" smtClean="0"/>
-              <a:t>change </a:t>
-            </a:r>
-            <a:r>
-              <a:rPr lang="en-US" dirty="0" smtClean="0"/>
-              <a:t>R</a:t>
-            </a:r>
-            <a:r>
-              <a:rPr lang="en-US" dirty="0" smtClean="0"/>
-              <a:t>eturn/Abort values to</a:t>
-            </a:r>
-            <a:endParaRPr lang="he-IL" dirty="0"/>
+              <a:t>Direction</a:t>
+            </a:r>
+            <a:endParaRPr lang="he-IL" dirty="0"/>
+          </a:p>
+        </p:txBody>
+      </p:sp>
+      <p:sp>
+        <p:nvSpPr>
+          <p:cNvPr id="27" name="מלבן 26"/>
+          <p:cNvSpPr/>
+          <p:nvPr/>
+        </p:nvSpPr>
+        <p:spPr>
+          <a:xfrm>
+            <a:off x="1134319" y="4401954"/>
+            <a:ext cx="1539433" cy="555584"/>
+          </a:xfrm>
+          <a:prstGeom prst="rect">
+            <a:avLst/>
+          </a:prstGeom>
+          <a:solidFill>
+            <a:schemeClr val="bg1">
+              <a:lumMod val="85000"/>
+            </a:schemeClr>
+          </a:solidFill>
+        </p:spPr>
+        <p:style>
+          <a:lnRef idx="2">
+            <a:schemeClr val="accent1">
+              <a:shade val="50000"/>
+            </a:schemeClr>
+          </a:lnRef>
+          <a:fillRef idx="1">
+            <a:schemeClr val="accent1"/>
+          </a:fillRef>
+          <a:effectRef idx="0">
+            <a:schemeClr val="accent1"/>
+          </a:effectRef>
+          <a:fontRef idx="minor">
+            <a:schemeClr val="lt1"/>
+          </a:fontRef>
+        </p:style>
+        <p:txBody>
+          <a:bodyPr rtlCol="1" anchor="ctr"/>
+          <a:lstStyle/>
+          <a:p>
+            <a:pPr algn="ctr"/>
+            <a:r>
+              <a:rPr lang="en-US" dirty="0" smtClean="0">
+                <a:solidFill>
+                  <a:schemeClr val="tx1"/>
+                </a:solidFill>
+              </a:rPr>
+              <a:t>Out/In</a:t>
+            </a:r>
+            <a:endParaRPr lang="he-IL" dirty="0">
+              <a:solidFill>
+                <a:schemeClr val="tx1"/>
+              </a:solidFill>
+            </a:endParaRPr>
           </a:p>
         </p:txBody>
       </p:sp>
@@ -7356,11 +7564,7 @@
           <a:p>
             <a:r>
               <a:rPr lang="en-US" dirty="0" smtClean="0"/>
-              <a:t>Abort </a:t>
-            </a:r>
-            <a:r>
-              <a:rPr lang="en-US" dirty="0" smtClean="0"/>
-              <a:t>at</a:t>
+              <a:t>Abort at</a:t>
             </a:r>
             <a:endParaRPr lang="he-IL" dirty="0"/>
           </a:p>
@@ -7637,21 +7841,96 @@
             </a:r>
             <a:r>
               <a:rPr lang="en-US" dirty="0" smtClean="0"/>
-              <a:t> </a:t>
-            </a:r>
+              <a:t> change Return/Abort values to</a:t>
+            </a:r>
+            <a:endParaRPr lang="he-IL" dirty="0"/>
+          </a:p>
+        </p:txBody>
+      </p:sp>
+      <p:sp>
+        <p:nvSpPr>
+          <p:cNvPr id="25" name="TextBox 24"/>
+          <p:cNvSpPr txBox="1"/>
+          <p:nvPr/>
+        </p:nvSpPr>
+        <p:spPr>
+          <a:xfrm>
+            <a:off x="1449790" y="4005085"/>
+            <a:ext cx="1044068" cy="369332"/>
+          </a:xfrm>
+          <a:prstGeom prst="rect">
+            <a:avLst/>
+          </a:prstGeom>
+          <a:noFill/>
+        </p:spPr>
+        <p:txBody>
+          <a:bodyPr wrap="none" rtlCol="1">
+            <a:spAutoFit/>
+          </a:bodyPr>
+          <a:lstStyle/>
+          <a:p>
             <a:r>
               <a:rPr lang="en-US" dirty="0" smtClean="0"/>
-              <a:t>change </a:t>
-            </a:r>
-            <a:r>
-              <a:rPr lang="en-US" dirty="0" smtClean="0"/>
-              <a:t>R</a:t>
-            </a:r>
-            <a:r>
-              <a:rPr lang="en-US" dirty="0" smtClean="0"/>
-              <a:t>eturn/Abort values to</a:t>
-            </a:r>
-            <a:endParaRPr lang="he-IL" dirty="0"/>
+              <a:t>Direction</a:t>
+            </a:r>
+            <a:endParaRPr lang="he-IL" dirty="0"/>
+          </a:p>
+        </p:txBody>
+      </p:sp>
+      <p:sp>
+        <p:nvSpPr>
+          <p:cNvPr id="28" name="מלבן 27"/>
+          <p:cNvSpPr/>
+          <p:nvPr/>
+        </p:nvSpPr>
+        <p:spPr>
+          <a:xfrm>
+            <a:off x="1134319" y="4401954"/>
+            <a:ext cx="1539433" cy="555584"/>
+          </a:xfrm>
+          <a:prstGeom prst="rect">
+            <a:avLst/>
+          </a:prstGeom>
+          <a:solidFill>
+            <a:schemeClr val="bg1">
+              <a:lumMod val="85000"/>
+            </a:schemeClr>
+          </a:solidFill>
+        </p:spPr>
+        <p:style>
+          <a:lnRef idx="2">
+            <a:schemeClr val="accent1">
+              <a:shade val="50000"/>
+            </a:schemeClr>
+          </a:lnRef>
+          <a:fillRef idx="1">
+            <a:schemeClr val="accent1"/>
+          </a:fillRef>
+          <a:effectRef idx="0">
+            <a:schemeClr val="accent1"/>
+          </a:effectRef>
+          <a:fontRef idx="minor">
+            <a:schemeClr val="lt1"/>
+          </a:fontRef>
+        </p:style>
+        <p:txBody>
+          <a:bodyPr rtlCol="1" anchor="ctr"/>
+          <a:lstStyle/>
+          <a:p>
+            <a:pPr algn="ctr"/>
+            <a:r>
+              <a:rPr lang="en-US" dirty="0" smtClean="0">
+                <a:solidFill>
+                  <a:schemeClr val="tx1"/>
+                </a:solidFill>
+              </a:rPr>
+              <a:t>Out/In</a:t>
+            </a:r>
+            <a:endParaRPr lang="he-IL" dirty="0">
+              <a:solidFill>
+                <a:schemeClr val="tx1"/>
+              </a:solidFill>
+            </a:endParaRPr>
           </a:p>
         </p:txBody>
       </p:sp>
@@ -8652,21 +8931,96 @@
             </a:r>
             <a:r>
               <a:rPr lang="en-US" dirty="0" smtClean="0"/>
-              <a:t> </a:t>
-            </a:r>
+              <a:t> change Return/Abort values to</a:t>
+            </a:r>
+            <a:endParaRPr lang="he-IL" dirty="0"/>
+          </a:p>
+        </p:txBody>
+      </p:sp>
+      <p:sp>
+        <p:nvSpPr>
+          <p:cNvPr id="27" name="TextBox 26"/>
+          <p:cNvSpPr txBox="1"/>
+          <p:nvPr/>
+        </p:nvSpPr>
+        <p:spPr>
+          <a:xfrm>
+            <a:off x="1449790" y="4005085"/>
+            <a:ext cx="1044068" cy="369332"/>
+          </a:xfrm>
+          <a:prstGeom prst="rect">
+            <a:avLst/>
+          </a:prstGeom>
+          <a:noFill/>
+        </p:spPr>
+        <p:txBody>
+          <a:bodyPr wrap="none" rtlCol="1">
+            <a:spAutoFit/>
+          </a:bodyPr>
+          <a:lstStyle/>
+          <a:p>
             <a:r>
               <a:rPr lang="en-US" dirty="0" smtClean="0"/>
-              <a:t>change </a:t>
-            </a:r>
-            <a:r>
-              <a:rPr lang="en-US" dirty="0" smtClean="0"/>
-              <a:t>R</a:t>
-            </a:r>
-            <a:r>
-              <a:rPr lang="en-US" dirty="0" smtClean="0"/>
-              <a:t>eturn/Abort values to</a:t>
-            </a:r>
-            <a:endParaRPr lang="he-IL" dirty="0"/>
+              <a:t>Direction</a:t>
+            </a:r>
+            <a:endParaRPr lang="he-IL" dirty="0"/>
+          </a:p>
+        </p:txBody>
+      </p:sp>
+      <p:sp>
+        <p:nvSpPr>
+          <p:cNvPr id="28" name="מלבן 27"/>
+          <p:cNvSpPr/>
+          <p:nvPr/>
+        </p:nvSpPr>
+        <p:spPr>
+          <a:xfrm>
+            <a:off x="1134319" y="4401954"/>
+            <a:ext cx="1539433" cy="555584"/>
+          </a:xfrm>
+          <a:prstGeom prst="rect">
+            <a:avLst/>
+          </a:prstGeom>
+          <a:solidFill>
+            <a:schemeClr val="bg1">
+              <a:lumMod val="85000"/>
+            </a:schemeClr>
+          </a:solidFill>
+        </p:spPr>
+        <p:style>
+          <a:lnRef idx="2">
+            <a:schemeClr val="accent1">
+              <a:shade val="50000"/>
+            </a:schemeClr>
+          </a:lnRef>
+          <a:fillRef idx="1">
+            <a:schemeClr val="accent1"/>
+          </a:fillRef>
+          <a:effectRef idx="0">
+            <a:schemeClr val="accent1"/>
+          </a:effectRef>
+          <a:fontRef idx="minor">
+            <a:schemeClr val="lt1"/>
+          </a:fontRef>
+        </p:style>
+        <p:txBody>
+          <a:bodyPr rtlCol="1" anchor="ctr"/>
+          <a:lstStyle/>
+          <a:p>
+            <a:pPr algn="ctr"/>
+            <a:r>
+              <a:rPr lang="en-US" dirty="0" smtClean="0">
+                <a:solidFill>
+                  <a:schemeClr val="tx1"/>
+                </a:solidFill>
+              </a:rPr>
+              <a:t>Out/In</a:t>
+            </a:r>
+            <a:endParaRPr lang="he-IL" dirty="0">
+              <a:solidFill>
+                <a:schemeClr val="tx1"/>
+              </a:solidFill>
+            </a:endParaRPr>
           </a:p>
         </p:txBody>
       </p:sp>
@@ -8862,7 +9216,7 @@
         </p:nvSpPr>
         <p:spPr>
           <a:xfrm>
-            <a:off x="1134319" y="3923817"/>
+            <a:off x="1735771" y="3889093"/>
             <a:ext cx="1932972" cy="902826"/>
           </a:xfrm>
           <a:prstGeom prst="ellipse">
